--- a/slides/Lecture03.pptx
+++ b/slides/Lecture03.pptx
@@ -247,7 +247,7 @@
           <a:p>
             <a:fld id="{9B76BEED-DF9C-1A44-AA9A-E917AAEDB26F}" type="datetimeFigureOut">
               <a:rPr lang="en-US" smtClean="0"/>
-              <a:t>9/7/18</a:t>
+              <a:t>9/10/18</a:t>
             </a:fld>
             <a:endParaRPr lang="en-US"/>
           </a:p>
@@ -413,7 +413,7 @@
           <a:p>
             <a:fld id="{21727DB9-44F7-CE42-9AB8-318282F70AED}" type="datetimeFigureOut">
               <a:rPr lang="en-US" smtClean="0"/>
-              <a:t>9/7/18</a:t>
+              <a:t>9/10/18</a:t>
             </a:fld>
             <a:endParaRPr lang="en-US"/>
           </a:p>
@@ -956,7 +956,19 @@
           <a:bodyPr/>
           <a:lstStyle/>
           <a:p>
-            <a:endParaRPr lang="en-US"/>
+            <a:r>
+              <a:rPr lang="en-US" dirty="0" smtClean="0"/>
+              <a:t>Example: create new </a:t>
+            </a:r>
+            <a:r>
+              <a:rPr lang="en-US" dirty="0" err="1" smtClean="0"/>
+              <a:t>t.sh</a:t>
+            </a:r>
+            <a:r>
+              <a:rPr lang="en-US" dirty="0" smtClean="0"/>
+              <a:t> and run</a:t>
+            </a:r>
+            <a:endParaRPr lang="en-US" dirty="0"/>
           </a:p>
         </p:txBody>
       </p:sp>
@@ -977,7 +989,7 @@
           <a:p>
             <a:fld id="{700CF522-F05E-8946-A5FF-DB9FEEF2D366}" type="slidenum">
               <a:rPr lang="en-US" smtClean="0"/>
-              <a:t>18</a:t>
+              <a:t>17</a:t>
             </a:fld>
             <a:endParaRPr lang="en-US"/>
           </a:p>
@@ -986,7 +998,7 @@
     </p:spTree>
     <p:extLst>
       <p:ext uri="{BB962C8B-B14F-4D97-AF65-F5344CB8AC3E}">
-        <p14:creationId xmlns:p14="http://schemas.microsoft.com/office/powerpoint/2010/main" val="487236867"/>
+        <p14:creationId xmlns:p14="http://schemas.microsoft.com/office/powerpoint/2010/main" val="1436540656"/>
       </p:ext>
     </p:extLst>
   </p:cSld>
@@ -1040,7 +1052,7 @@
           <a:bodyPr/>
           <a:lstStyle/>
           <a:p>
-            <a:endParaRPr lang="en-US" dirty="0"/>
+            <a:endParaRPr lang="en-US"/>
           </a:p>
         </p:txBody>
       </p:sp>
@@ -1061,7 +1073,7 @@
           <a:p>
             <a:fld id="{700CF522-F05E-8946-A5FF-DB9FEEF2D366}" type="slidenum">
               <a:rPr lang="en-US" smtClean="0"/>
-              <a:t>21</a:t>
+              <a:t>18</a:t>
             </a:fld>
             <a:endParaRPr lang="en-US"/>
           </a:p>
@@ -1070,7 +1082,7 @@
     </p:spTree>
     <p:extLst>
       <p:ext uri="{BB962C8B-B14F-4D97-AF65-F5344CB8AC3E}">
-        <p14:creationId xmlns:p14="http://schemas.microsoft.com/office/powerpoint/2010/main" val="96248749"/>
+        <p14:creationId xmlns:p14="http://schemas.microsoft.com/office/powerpoint/2010/main" val="487236867"/>
       </p:ext>
     </p:extLst>
   </p:cSld>
@@ -1099,41 +1111,19 @@
       </p:grpSpPr>
       <p:sp>
         <p:nvSpPr>
-          <p:cNvPr id="43009" name="Slide Image Placeholder 1"/>
-          <p:cNvSpPr>
-            <a:spLocks noGrp="1" noRot="1" noChangeAspect="1" noTextEdit="1"/>
+          <p:cNvPr id="2" name="Slide Image Placeholder 1"/>
+          <p:cNvSpPr>
+            <a:spLocks noGrp="1" noRot="1" noChangeAspect="1"/>
           </p:cNvSpPr>
           <p:nvPr>
             <p:ph type="sldImg"/>
           </p:nvPr>
         </p:nvSpPr>
-        <p:spPr bwMode="auto">
-          <a:noFill/>
-          <a:ln>
-            <a:solidFill>
-              <a:srgbClr val="000000"/>
-            </a:solidFill>
-            <a:miter lim="800000"/>
-            <a:headEnd/>
-            <a:tailEnd/>
-          </a:ln>
-          <a:extLst>
-            <a:ext uri="{FAA26D3D-D897-4be2-8F04-BA451C77F1D7}">
-              <ma14:placeholderFlag xmlns:ma14="http://schemas.microsoft.com/office/mac/drawingml/2011/main" val="1"/>
-            </a:ext>
-            <a:ext uri="{909E8E84-426E-40dd-AFC4-6F175D3DCCD1}">
-              <a14:hiddenFill xmlns="" xmlns:a14="http://schemas.microsoft.com/office/drawing/2010/main">
-                <a:solidFill>
-                  <a:srgbClr val="FFFFFF"/>
-                </a:solidFill>
-              </a14:hiddenFill>
-            </a:ext>
-          </a:extLst>
-        </p:spPr>
-      </p:sp>
-      <p:sp>
-        <p:nvSpPr>
-          <p:cNvPr id="43010" name="Notes Placeholder 2"/>
+        <p:spPr/>
+      </p:sp>
+      <p:sp>
+        <p:nvSpPr>
+          <p:cNvPr id="3" name="Notes Placeholder 2"/>
           <p:cNvSpPr>
             <a:spLocks noGrp="1"/>
           </p:cNvSpPr>
@@ -1141,212 +1131,42 @@
             <p:ph type="body" idx="1"/>
           </p:nvPr>
         </p:nvSpPr>
-        <p:spPr bwMode="auto">
-          <a:noFill/>
-          <a:extLst>
-            <a:ext uri="{FAA26D3D-D897-4be2-8F04-BA451C77F1D7}">
-              <ma14:placeholderFlag xmlns:ma14="http://schemas.microsoft.com/office/mac/drawingml/2011/main" val="1"/>
-            </a:ext>
-            <a:ext uri="{909E8E84-426E-40dd-AFC4-6F175D3DCCD1}">
-              <a14:hiddenFill xmlns="" xmlns:a14="http://schemas.microsoft.com/office/drawing/2010/main">
-                <a:solidFill>
-                  <a:srgbClr val="FFFFFF"/>
-                </a:solidFill>
-              </a14:hiddenFill>
-            </a:ext>
-            <a:ext uri="{91240B29-F687-4f45-9708-019B960494DF}">
-              <a14:hiddenLine xmlns="" xmlns:a14="http://schemas.microsoft.com/office/drawing/2010/main" w="9525">
-                <a:solidFill>
-                  <a:srgbClr val="000000"/>
-                </a:solidFill>
-                <a:miter lim="800000"/>
-                <a:headEnd/>
-                <a:tailEnd/>
-              </a14:hiddenLine>
-            </a:ext>
-          </a:extLst>
-        </p:spPr>
-        <p:txBody>
-          <a:bodyPr wrap="square" numCol="1" anchor="t" anchorCtr="0" compatLnSpc="1">
-            <a:prstTxWarp prst="textNoShape">
-              <a:avLst/>
-            </a:prstTxWarp>
-          </a:bodyPr>
-          <a:lstStyle/>
-          <a:p>
-            <a:pPr eaLnBrk="1" hangingPunct="1">
-              <a:spcBef>
-                <a:spcPct val="0"/>
-              </a:spcBef>
-            </a:pPr>
-            <a:endParaRPr lang="en-US">
-              <a:latin typeface="Calibri" charset="0"/>
-              <a:cs typeface="Calibri" charset="0"/>
-            </a:endParaRPr>
-          </a:p>
-        </p:txBody>
-      </p:sp>
-      <p:sp>
-        <p:nvSpPr>
-          <p:cNvPr id="43011" name="Slide Number Placeholder 3"/>
-          <p:cNvSpPr>
-            <a:spLocks noGrp="1"/>
-          </p:cNvSpPr>
-          <p:nvPr>
-            <p:ph type="sldNum" sz="quarter" idx="5"/>
-          </p:nvPr>
-        </p:nvSpPr>
-        <p:spPr bwMode="auto">
-          <a:noFill/>
-          <a:extLst>
-            <a:ext uri="{909E8E84-426E-40dd-AFC4-6F175D3DCCD1}">
-              <a14:hiddenFill xmlns="" xmlns:a14="http://schemas.microsoft.com/office/drawing/2010/main">
-                <a:solidFill>
-                  <a:srgbClr val="FFFFFF"/>
-                </a:solidFill>
-              </a14:hiddenFill>
-            </a:ext>
-            <a:ext uri="{91240B29-F687-4f45-9708-019B960494DF}">
-              <a14:hiddenLine xmlns="" xmlns:a14="http://schemas.microsoft.com/office/drawing/2010/main" w="9525">
-                <a:solidFill>
-                  <a:srgbClr val="000000"/>
-                </a:solidFill>
-                <a:miter lim="800000"/>
-                <a:headEnd/>
-                <a:tailEnd/>
-              </a14:hiddenLine>
-            </a:ext>
-          </a:extLst>
-        </p:spPr>
+        <p:spPr/>
         <p:txBody>
           <a:bodyPr/>
-          <a:lstStyle>
-            <a:lvl1pPr eaLnBrk="0" hangingPunct="0">
-              <a:defRPr sz="2400">
-                <a:solidFill>
-                  <a:schemeClr val="tx1"/>
-                </a:solidFill>
-                <a:latin typeface="Arial" charset="0"/>
-                <a:ea typeface="ＭＳ Ｐゴシック" charset="0"/>
-                <a:cs typeface="ＭＳ Ｐゴシック" charset="0"/>
-              </a:defRPr>
-            </a:lvl1pPr>
-            <a:lvl2pPr marL="742950" indent="-285750" eaLnBrk="0" hangingPunct="0">
-              <a:defRPr sz="2400">
-                <a:solidFill>
-                  <a:schemeClr val="tx1"/>
-                </a:solidFill>
-                <a:latin typeface="Arial" charset="0"/>
-                <a:ea typeface="ＭＳ Ｐゴシック" charset="0"/>
-              </a:defRPr>
-            </a:lvl2pPr>
-            <a:lvl3pPr marL="1143000" indent="-228600" eaLnBrk="0" hangingPunct="0">
-              <a:defRPr sz="2400">
-                <a:solidFill>
-                  <a:schemeClr val="tx1"/>
-                </a:solidFill>
-                <a:latin typeface="Arial" charset="0"/>
-                <a:ea typeface="ＭＳ Ｐゴシック" charset="0"/>
-              </a:defRPr>
-            </a:lvl3pPr>
-            <a:lvl4pPr marL="1600200" indent="-228600" eaLnBrk="0" hangingPunct="0">
-              <a:defRPr sz="2400">
-                <a:solidFill>
-                  <a:schemeClr val="tx1"/>
-                </a:solidFill>
-                <a:latin typeface="Arial" charset="0"/>
-                <a:ea typeface="ＭＳ Ｐゴシック" charset="0"/>
-              </a:defRPr>
-            </a:lvl4pPr>
-            <a:lvl5pPr marL="2057400" indent="-228600" eaLnBrk="0" hangingPunct="0">
-              <a:defRPr sz="2400">
-                <a:solidFill>
-                  <a:schemeClr val="tx1"/>
-                </a:solidFill>
-                <a:latin typeface="Arial" charset="0"/>
-                <a:ea typeface="ＭＳ Ｐゴシック" charset="0"/>
-              </a:defRPr>
-            </a:lvl5pPr>
-            <a:lvl6pPr marL="2514600" indent="-228600" eaLnBrk="0" fontAlgn="base" hangingPunct="0">
-              <a:spcBef>
-                <a:spcPct val="0"/>
-              </a:spcBef>
-              <a:spcAft>
-                <a:spcPct val="0"/>
-              </a:spcAft>
-              <a:defRPr sz="2400">
-                <a:solidFill>
-                  <a:schemeClr val="tx1"/>
-                </a:solidFill>
-                <a:latin typeface="Arial" charset="0"/>
-                <a:ea typeface="ＭＳ Ｐゴシック" charset="0"/>
-              </a:defRPr>
-            </a:lvl6pPr>
-            <a:lvl7pPr marL="2971800" indent="-228600" eaLnBrk="0" fontAlgn="base" hangingPunct="0">
-              <a:spcBef>
-                <a:spcPct val="0"/>
-              </a:spcBef>
-              <a:spcAft>
-                <a:spcPct val="0"/>
-              </a:spcAft>
-              <a:defRPr sz="2400">
-                <a:solidFill>
-                  <a:schemeClr val="tx1"/>
-                </a:solidFill>
-                <a:latin typeface="Arial" charset="0"/>
-                <a:ea typeface="ＭＳ Ｐゴシック" charset="0"/>
-              </a:defRPr>
-            </a:lvl7pPr>
-            <a:lvl8pPr marL="3429000" indent="-228600" eaLnBrk="0" fontAlgn="base" hangingPunct="0">
-              <a:spcBef>
-                <a:spcPct val="0"/>
-              </a:spcBef>
-              <a:spcAft>
-                <a:spcPct val="0"/>
-              </a:spcAft>
-              <a:defRPr sz="2400">
-                <a:solidFill>
-                  <a:schemeClr val="tx1"/>
-                </a:solidFill>
-                <a:latin typeface="Arial" charset="0"/>
-                <a:ea typeface="ＭＳ Ｐゴシック" charset="0"/>
-              </a:defRPr>
-            </a:lvl8pPr>
-            <a:lvl9pPr marL="3886200" indent="-228600" eaLnBrk="0" fontAlgn="base" hangingPunct="0">
-              <a:spcBef>
-                <a:spcPct val="0"/>
-              </a:spcBef>
-              <a:spcAft>
-                <a:spcPct val="0"/>
-              </a:spcAft>
-              <a:defRPr sz="2400">
-                <a:solidFill>
-                  <a:schemeClr val="tx1"/>
-                </a:solidFill>
-                <a:latin typeface="Arial" charset="0"/>
-                <a:ea typeface="ＭＳ Ｐゴシック" charset="0"/>
-              </a:defRPr>
-            </a:lvl9pPr>
-          </a:lstStyle>
-          <a:p>
-            <a:pPr eaLnBrk="1" hangingPunct="1"/>
-            <a:fld id="{0B706D43-DAEA-C14C-97E3-E4478A7755D9}" type="slidenum">
-              <a:rPr lang="en-US" sz="1200">
-                <a:latin typeface="Calibri" charset="0"/>
-              </a:rPr>
-              <a:pPr eaLnBrk="1" hangingPunct="1"/>
-              <a:t>22</a:t>
+          <a:lstStyle/>
+          <a:p>
+            <a:endParaRPr lang="en-US" dirty="0"/>
+          </a:p>
+        </p:txBody>
+      </p:sp>
+      <p:sp>
+        <p:nvSpPr>
+          <p:cNvPr id="4" name="Slide Number Placeholder 3"/>
+          <p:cNvSpPr>
+            <a:spLocks noGrp="1"/>
+          </p:cNvSpPr>
+          <p:nvPr>
+            <p:ph type="sldNum" sz="quarter" idx="10"/>
+          </p:nvPr>
+        </p:nvSpPr>
+        <p:spPr/>
+        <p:txBody>
+          <a:bodyPr/>
+          <a:lstStyle/>
+          <a:p>
+            <a:fld id="{700CF522-F05E-8946-A5FF-DB9FEEF2D366}" type="slidenum">
+              <a:rPr lang="en-US" smtClean="0"/>
+              <a:t>21</a:t>
             </a:fld>
-            <a:endParaRPr lang="en-US" sz="1200">
-              <a:latin typeface="Calibri" charset="0"/>
-            </a:endParaRPr>
+            <a:endParaRPr lang="en-US"/>
           </a:p>
         </p:txBody>
       </p:sp>
     </p:spTree>
     <p:extLst>
       <p:ext uri="{BB962C8B-B14F-4D97-AF65-F5344CB8AC3E}">
-        <p14:creationId xmlns:p14="http://schemas.microsoft.com/office/powerpoint/2010/main" val="1722257572"/>
+        <p14:creationId xmlns:p14="http://schemas.microsoft.com/office/powerpoint/2010/main" val="96248749"/>
       </p:ext>
     </p:extLst>
   </p:cSld>
@@ -1375,7 +1195,7 @@
       </p:grpSpPr>
       <p:sp>
         <p:nvSpPr>
-          <p:cNvPr id="49153" name="Slide Image Placeholder 1"/>
+          <p:cNvPr id="43009" name="Slide Image Placeholder 1"/>
           <p:cNvSpPr>
             <a:spLocks noGrp="1" noRot="1" noChangeAspect="1" noTextEdit="1"/>
           </p:cNvSpPr>
@@ -1398,7 +1218,7 @@
               <ma14:placeholderFlag xmlns:ma14="http://schemas.microsoft.com/office/mac/drawingml/2011/main" val="1"/>
             </a:ext>
             <a:ext uri="{909E8E84-426E-40dd-AFC4-6F175D3DCCD1}">
-              <a14:hiddenFill xmlns="" xmlns:a14="http://schemas.microsoft.com/office/drawing/2010/main">
+              <a14:hiddenFill xmlns:a14="http://schemas.microsoft.com/office/drawing/2010/main" xmlns="">
                 <a:solidFill>
                   <a:srgbClr val="FFFFFF"/>
                 </a:solidFill>
@@ -1409,7 +1229,7 @@
       </p:sp>
       <p:sp>
         <p:nvSpPr>
-          <p:cNvPr id="3" name="Notes Placeholder 2"/>
+          <p:cNvPr id="43010" name="Notes Placeholder 2"/>
           <p:cNvSpPr>
             <a:spLocks noGrp="1"/>
           </p:cNvSpPr>
@@ -1417,32 +1237,54 @@
             <p:ph type="body" idx="1"/>
           </p:nvPr>
         </p:nvSpPr>
-        <p:spPr/>
-        <p:txBody>
-          <a:bodyPr>
-            <a:normAutofit/>
+        <p:spPr bwMode="auto">
+          <a:noFill/>
+          <a:extLst>
+            <a:ext uri="{FAA26D3D-D897-4be2-8F04-BA451C77F1D7}">
+              <ma14:placeholderFlag xmlns:ma14="http://schemas.microsoft.com/office/mac/drawingml/2011/main" val="1"/>
+            </a:ext>
+            <a:ext uri="{909E8E84-426E-40dd-AFC4-6F175D3DCCD1}">
+              <a14:hiddenFill xmlns:a14="http://schemas.microsoft.com/office/drawing/2010/main" xmlns="">
+                <a:solidFill>
+                  <a:srgbClr val="FFFFFF"/>
+                </a:solidFill>
+              </a14:hiddenFill>
+            </a:ext>
+            <a:ext uri="{91240B29-F687-4f45-9708-019B960494DF}">
+              <a14:hiddenLine xmlns:a14="http://schemas.microsoft.com/office/drawing/2010/main" xmlns="" w="9525">
+                <a:solidFill>
+                  <a:srgbClr val="000000"/>
+                </a:solidFill>
+                <a:miter lim="800000"/>
+                <a:headEnd/>
+                <a:tailEnd/>
+              </a14:hiddenLine>
+            </a:ext>
+          </a:extLst>
+        </p:spPr>
+        <p:txBody>
+          <a:bodyPr wrap="square" numCol="1" anchor="t" anchorCtr="0" compatLnSpc="1">
+            <a:prstTxWarp prst="textNoShape">
+              <a:avLst/>
+            </a:prstTxWarp>
           </a:bodyPr>
           <a:lstStyle/>
           <a:p>
-            <a:pPr eaLnBrk="1" fontAlgn="auto" hangingPunct="1">
+            <a:pPr eaLnBrk="1" hangingPunct="1">
               <a:spcBef>
-                <a:spcPts val="0"/>
+                <a:spcPct val="0"/>
               </a:spcBef>
-              <a:spcAft>
-                <a:spcPts val="0"/>
-              </a:spcAft>
-              <a:defRPr/>
             </a:pPr>
-            <a:endParaRPr lang="en-US" dirty="0">
-              <a:ea typeface="+mn-ea"/>
-              <a:cs typeface="+mn-cs"/>
+            <a:endParaRPr lang="en-US">
+              <a:latin typeface="Calibri" charset="0"/>
+              <a:cs typeface="Calibri" charset="0"/>
             </a:endParaRPr>
           </a:p>
         </p:txBody>
       </p:sp>
       <p:sp>
         <p:nvSpPr>
-          <p:cNvPr id="49155" name="Slide Number Placeholder 3"/>
+          <p:cNvPr id="43011" name="Slide Number Placeholder 3"/>
           <p:cNvSpPr>
             <a:spLocks noGrp="1"/>
           </p:cNvSpPr>
@@ -1454,14 +1296,14 @@
           <a:noFill/>
           <a:extLst>
             <a:ext uri="{909E8E84-426E-40dd-AFC4-6F175D3DCCD1}">
-              <a14:hiddenFill xmlns="" xmlns:a14="http://schemas.microsoft.com/office/drawing/2010/main">
+              <a14:hiddenFill xmlns:a14="http://schemas.microsoft.com/office/drawing/2010/main" xmlns="">
                 <a:solidFill>
                   <a:srgbClr val="FFFFFF"/>
                 </a:solidFill>
               </a14:hiddenFill>
             </a:ext>
             <a:ext uri="{91240B29-F687-4f45-9708-019B960494DF}">
-              <a14:hiddenLine xmlns="" xmlns:a14="http://schemas.microsoft.com/office/drawing/2010/main" w="9525">
+              <a14:hiddenLine xmlns:a14="http://schemas.microsoft.com/office/drawing/2010/main" xmlns="" w="9525">
                 <a:solidFill>
                   <a:srgbClr val="000000"/>
                 </a:solidFill>
@@ -1584,12 +1426,12 @@
           </a:lstStyle>
           <a:p>
             <a:pPr eaLnBrk="1" hangingPunct="1"/>
-            <a:fld id="{3B828510-16E7-154B-994F-3CBFF577431C}" type="slidenum">
+            <a:fld id="{0B706D43-DAEA-C14C-97E3-E4478A7755D9}" type="slidenum">
               <a:rPr lang="en-US" sz="1200">
                 <a:latin typeface="Calibri" charset="0"/>
               </a:rPr>
               <a:pPr eaLnBrk="1" hangingPunct="1"/>
-              <a:t>24</a:t>
+              <a:t>22</a:t>
             </a:fld>
             <a:endParaRPr lang="en-US" sz="1200">
               <a:latin typeface="Calibri" charset="0"/>
@@ -1600,7 +1442,7 @@
     </p:spTree>
     <p:extLst>
       <p:ext uri="{BB962C8B-B14F-4D97-AF65-F5344CB8AC3E}">
-        <p14:creationId xmlns:p14="http://schemas.microsoft.com/office/powerpoint/2010/main" val="1275381167"/>
+        <p14:creationId xmlns:p14="http://schemas.microsoft.com/office/powerpoint/2010/main" val="1722257572"/>
       </p:ext>
     </p:extLst>
   </p:cSld>
@@ -1629,85 +1471,232 @@
       </p:grpSpPr>
       <p:sp>
         <p:nvSpPr>
-          <p:cNvPr id="2" name="Slide Image Placeholder 1"/>
-          <p:cNvSpPr>
-            <a:spLocks noGrp="1" noRot="1" noChangeAspect="1"/>
+          <p:cNvPr id="49153" name="Slide Image Placeholder 1"/>
+          <p:cNvSpPr>
+            <a:spLocks noGrp="1" noRot="1" noChangeAspect="1" noTextEdit="1"/>
           </p:cNvSpPr>
           <p:nvPr>
             <p:ph type="sldImg"/>
           </p:nvPr>
         </p:nvSpPr>
+        <p:spPr bwMode="auto">
+          <a:noFill/>
+          <a:ln>
+            <a:solidFill>
+              <a:srgbClr val="000000"/>
+            </a:solidFill>
+            <a:miter lim="800000"/>
+            <a:headEnd/>
+            <a:tailEnd/>
+          </a:ln>
+          <a:extLst>
+            <a:ext uri="{FAA26D3D-D897-4be2-8F04-BA451C77F1D7}">
+              <ma14:placeholderFlag xmlns:ma14="http://schemas.microsoft.com/office/mac/drawingml/2011/main" val="1"/>
+            </a:ext>
+            <a:ext uri="{909E8E84-426E-40dd-AFC4-6F175D3DCCD1}">
+              <a14:hiddenFill xmlns:a14="http://schemas.microsoft.com/office/drawing/2010/main" xmlns="">
+                <a:solidFill>
+                  <a:srgbClr val="FFFFFF"/>
+                </a:solidFill>
+              </a14:hiddenFill>
+            </a:ext>
+          </a:extLst>
+        </p:spPr>
+      </p:sp>
+      <p:sp>
+        <p:nvSpPr>
+          <p:cNvPr id="3" name="Notes Placeholder 2"/>
+          <p:cNvSpPr>
+            <a:spLocks noGrp="1"/>
+          </p:cNvSpPr>
+          <p:nvPr>
+            <p:ph type="body" idx="1"/>
+          </p:nvPr>
+        </p:nvSpPr>
         <p:spPr/>
-      </p:sp>
-      <p:sp>
-        <p:nvSpPr>
-          <p:cNvPr id="3" name="Notes Placeholder 2"/>
-          <p:cNvSpPr>
-            <a:spLocks noGrp="1"/>
-          </p:cNvSpPr>
-          <p:nvPr>
-            <p:ph type="body" idx="1"/>
-          </p:nvPr>
-        </p:nvSpPr>
-        <p:spPr/>
-        <p:txBody>
-          <a:bodyPr/>
-          <a:lstStyle/>
-          <a:p>
-            <a:pPr marL="0" marR="0" indent="0" algn="l" defTabSz="457200" rtl="0" eaLnBrk="1" fontAlgn="auto" latinLnBrk="0" hangingPunct="1">
-              <a:lnSpc>
-                <a:spcPct val="100000"/>
-              </a:lnSpc>
+        <p:txBody>
+          <a:bodyPr>
+            <a:normAutofit/>
+          </a:bodyPr>
+          <a:lstStyle/>
+          <a:p>
+            <a:pPr eaLnBrk="1" fontAlgn="auto" hangingPunct="1">
               <a:spcBef>
                 <a:spcPts val="0"/>
               </a:spcBef>
               <a:spcAft>
                 <a:spcPts val="0"/>
               </a:spcAft>
-              <a:buClrTx/>
-              <a:buSzTx/>
-              <a:buFontTx/>
-              <a:buNone/>
-              <a:tabLst/>
               <a:defRPr/>
             </a:pPr>
-            <a:r>
-              <a:rPr lang="en-US" dirty="0" smtClean="0"/>
-              <a:t>The model of run time</a:t>
-            </a:r>
-          </a:p>
-          <a:p>
-            <a:endParaRPr lang="en-US" dirty="0"/>
-          </a:p>
-        </p:txBody>
-      </p:sp>
-      <p:sp>
-        <p:nvSpPr>
-          <p:cNvPr id="4" name="Slide Number Placeholder 3"/>
-          <p:cNvSpPr>
-            <a:spLocks noGrp="1"/>
-          </p:cNvSpPr>
-          <p:nvPr>
-            <p:ph type="sldNum" sz="quarter" idx="10"/>
-          </p:nvPr>
-        </p:nvSpPr>
-        <p:spPr/>
+            <a:endParaRPr lang="en-US" dirty="0">
+              <a:ea typeface="+mn-ea"/>
+              <a:cs typeface="+mn-cs"/>
+            </a:endParaRPr>
+          </a:p>
+        </p:txBody>
+      </p:sp>
+      <p:sp>
+        <p:nvSpPr>
+          <p:cNvPr id="49155" name="Slide Number Placeholder 3"/>
+          <p:cNvSpPr>
+            <a:spLocks noGrp="1"/>
+          </p:cNvSpPr>
+          <p:nvPr>
+            <p:ph type="sldNum" sz="quarter" idx="5"/>
+          </p:nvPr>
+        </p:nvSpPr>
+        <p:spPr bwMode="auto">
+          <a:noFill/>
+          <a:extLst>
+            <a:ext uri="{909E8E84-426E-40dd-AFC4-6F175D3DCCD1}">
+              <a14:hiddenFill xmlns:a14="http://schemas.microsoft.com/office/drawing/2010/main" xmlns="">
+                <a:solidFill>
+                  <a:srgbClr val="FFFFFF"/>
+                </a:solidFill>
+              </a14:hiddenFill>
+            </a:ext>
+            <a:ext uri="{91240B29-F687-4f45-9708-019B960494DF}">
+              <a14:hiddenLine xmlns:a14="http://schemas.microsoft.com/office/drawing/2010/main" xmlns="" w="9525">
+                <a:solidFill>
+                  <a:srgbClr val="000000"/>
+                </a:solidFill>
+                <a:miter lim="800000"/>
+                <a:headEnd/>
+                <a:tailEnd/>
+              </a14:hiddenLine>
+            </a:ext>
+          </a:extLst>
+        </p:spPr>
         <p:txBody>
           <a:bodyPr/>
-          <a:lstStyle/>
-          <a:p>
-            <a:fld id="{700CF522-F05E-8946-A5FF-DB9FEEF2D366}" type="slidenum">
-              <a:rPr lang="en-US" smtClean="0"/>
-              <a:t>29</a:t>
+          <a:lstStyle>
+            <a:lvl1pPr eaLnBrk="0" hangingPunct="0">
+              <a:defRPr sz="2400">
+                <a:solidFill>
+                  <a:schemeClr val="tx1"/>
+                </a:solidFill>
+                <a:latin typeface="Arial" charset="0"/>
+                <a:ea typeface="ＭＳ Ｐゴシック" charset="0"/>
+                <a:cs typeface="ＭＳ Ｐゴシック" charset="0"/>
+              </a:defRPr>
+            </a:lvl1pPr>
+            <a:lvl2pPr marL="742950" indent="-285750" eaLnBrk="0" hangingPunct="0">
+              <a:defRPr sz="2400">
+                <a:solidFill>
+                  <a:schemeClr val="tx1"/>
+                </a:solidFill>
+                <a:latin typeface="Arial" charset="0"/>
+                <a:ea typeface="ＭＳ Ｐゴシック" charset="0"/>
+              </a:defRPr>
+            </a:lvl2pPr>
+            <a:lvl3pPr marL="1143000" indent="-228600" eaLnBrk="0" hangingPunct="0">
+              <a:defRPr sz="2400">
+                <a:solidFill>
+                  <a:schemeClr val="tx1"/>
+                </a:solidFill>
+                <a:latin typeface="Arial" charset="0"/>
+                <a:ea typeface="ＭＳ Ｐゴシック" charset="0"/>
+              </a:defRPr>
+            </a:lvl3pPr>
+            <a:lvl4pPr marL="1600200" indent="-228600" eaLnBrk="0" hangingPunct="0">
+              <a:defRPr sz="2400">
+                <a:solidFill>
+                  <a:schemeClr val="tx1"/>
+                </a:solidFill>
+                <a:latin typeface="Arial" charset="0"/>
+                <a:ea typeface="ＭＳ Ｐゴシック" charset="0"/>
+              </a:defRPr>
+            </a:lvl4pPr>
+            <a:lvl5pPr marL="2057400" indent="-228600" eaLnBrk="0" hangingPunct="0">
+              <a:defRPr sz="2400">
+                <a:solidFill>
+                  <a:schemeClr val="tx1"/>
+                </a:solidFill>
+                <a:latin typeface="Arial" charset="0"/>
+                <a:ea typeface="ＭＳ Ｐゴシック" charset="0"/>
+              </a:defRPr>
+            </a:lvl5pPr>
+            <a:lvl6pPr marL="2514600" indent="-228600" eaLnBrk="0" fontAlgn="base" hangingPunct="0">
+              <a:spcBef>
+                <a:spcPct val="0"/>
+              </a:spcBef>
+              <a:spcAft>
+                <a:spcPct val="0"/>
+              </a:spcAft>
+              <a:defRPr sz="2400">
+                <a:solidFill>
+                  <a:schemeClr val="tx1"/>
+                </a:solidFill>
+                <a:latin typeface="Arial" charset="0"/>
+                <a:ea typeface="ＭＳ Ｐゴシック" charset="0"/>
+              </a:defRPr>
+            </a:lvl6pPr>
+            <a:lvl7pPr marL="2971800" indent="-228600" eaLnBrk="0" fontAlgn="base" hangingPunct="0">
+              <a:spcBef>
+                <a:spcPct val="0"/>
+              </a:spcBef>
+              <a:spcAft>
+                <a:spcPct val="0"/>
+              </a:spcAft>
+              <a:defRPr sz="2400">
+                <a:solidFill>
+                  <a:schemeClr val="tx1"/>
+                </a:solidFill>
+                <a:latin typeface="Arial" charset="0"/>
+                <a:ea typeface="ＭＳ Ｐゴシック" charset="0"/>
+              </a:defRPr>
+            </a:lvl7pPr>
+            <a:lvl8pPr marL="3429000" indent="-228600" eaLnBrk="0" fontAlgn="base" hangingPunct="0">
+              <a:spcBef>
+                <a:spcPct val="0"/>
+              </a:spcBef>
+              <a:spcAft>
+                <a:spcPct val="0"/>
+              </a:spcAft>
+              <a:defRPr sz="2400">
+                <a:solidFill>
+                  <a:schemeClr val="tx1"/>
+                </a:solidFill>
+                <a:latin typeface="Arial" charset="0"/>
+                <a:ea typeface="ＭＳ Ｐゴシック" charset="0"/>
+              </a:defRPr>
+            </a:lvl8pPr>
+            <a:lvl9pPr marL="3886200" indent="-228600" eaLnBrk="0" fontAlgn="base" hangingPunct="0">
+              <a:spcBef>
+                <a:spcPct val="0"/>
+              </a:spcBef>
+              <a:spcAft>
+                <a:spcPct val="0"/>
+              </a:spcAft>
+              <a:defRPr sz="2400">
+                <a:solidFill>
+                  <a:schemeClr val="tx1"/>
+                </a:solidFill>
+                <a:latin typeface="Arial" charset="0"/>
+                <a:ea typeface="ＭＳ Ｐゴシック" charset="0"/>
+              </a:defRPr>
+            </a:lvl9pPr>
+          </a:lstStyle>
+          <a:p>
+            <a:pPr eaLnBrk="1" hangingPunct="1"/>
+            <a:fld id="{3B828510-16E7-154B-994F-3CBFF577431C}" type="slidenum">
+              <a:rPr lang="en-US" sz="1200">
+                <a:latin typeface="Calibri" charset="0"/>
+              </a:rPr>
+              <a:pPr eaLnBrk="1" hangingPunct="1"/>
+              <a:t>24</a:t>
             </a:fld>
-            <a:endParaRPr lang="en-US"/>
+            <a:endParaRPr lang="en-US" sz="1200">
+              <a:latin typeface="Calibri" charset="0"/>
+            </a:endParaRPr>
           </a:p>
         </p:txBody>
       </p:sp>
     </p:spTree>
     <p:extLst>
       <p:ext uri="{BB962C8B-B14F-4D97-AF65-F5344CB8AC3E}">
-        <p14:creationId xmlns:p14="http://schemas.microsoft.com/office/powerpoint/2010/main" val="1255183390"/>
+        <p14:creationId xmlns:p14="http://schemas.microsoft.com/office/powerpoint/2010/main" val="1275381167"/>
       </p:ext>
     </p:extLst>
   </p:cSld>
@@ -1761,24 +1750,26 @@
           <a:bodyPr/>
           <a:lstStyle/>
           <a:p>
-            <a:pPr fontAlgn="t"/>
-            <a:r>
-              <a:rPr lang="en-US" dirty="0" smtClean="0">
-                <a:effectLst/>
-              </a:rPr>
-              <a:t>Another common dangling pointer example is an access of a memory location via pointer, after free has been </a:t>
-            </a:r>
-            <a:r>
-              <a:rPr lang="en-US" b="1" dirty="0" smtClean="0">
-                <a:effectLst/>
-              </a:rPr>
-              <a:t>explicitly</a:t>
-            </a:r>
-            <a:r>
-              <a:rPr lang="en-US" dirty="0" smtClean="0">
-                <a:effectLst/>
-              </a:rPr>
-              <a:t> called on that memory.</a:t>
+            <a:pPr marL="0" marR="0" indent="0" algn="l" defTabSz="457200" rtl="0" eaLnBrk="1" fontAlgn="auto" latinLnBrk="0" hangingPunct="1">
+              <a:lnSpc>
+                <a:spcPct val="100000"/>
+              </a:lnSpc>
+              <a:spcBef>
+                <a:spcPts val="0"/>
+              </a:spcBef>
+              <a:spcAft>
+                <a:spcPts val="0"/>
+              </a:spcAft>
+              <a:buClrTx/>
+              <a:buSzTx/>
+              <a:buFontTx/>
+              <a:buNone/>
+              <a:tabLst/>
+              <a:defRPr/>
+            </a:pPr>
+            <a:r>
+              <a:rPr lang="en-US" dirty="0" smtClean="0"/>
+              <a:t>The model of run time</a:t>
             </a:r>
           </a:p>
           <a:p>
@@ -1803,7 +1794,7 @@
           <a:p>
             <a:fld id="{700CF522-F05E-8946-A5FF-DB9FEEF2D366}" type="slidenum">
               <a:rPr lang="en-US" smtClean="0"/>
-              <a:t>30</a:t>
+              <a:t>29</a:t>
             </a:fld>
             <a:endParaRPr lang="en-US"/>
           </a:p>
@@ -1812,7 +1803,7 @@
     </p:spTree>
     <p:extLst>
       <p:ext uri="{BB962C8B-B14F-4D97-AF65-F5344CB8AC3E}">
-        <p14:creationId xmlns:p14="http://schemas.microsoft.com/office/powerpoint/2010/main" val="336938626"/>
+        <p14:creationId xmlns:p14="http://schemas.microsoft.com/office/powerpoint/2010/main" val="1255183390"/>
       </p:ext>
     </p:extLst>
   </p:cSld>
@@ -1908,7 +1899,7 @@
           <a:p>
             <a:fld id="{700CF522-F05E-8946-A5FF-DB9FEEF2D366}" type="slidenum">
               <a:rPr lang="en-US" smtClean="0"/>
-              <a:t>31</a:t>
+              <a:t>30</a:t>
             </a:fld>
             <a:endParaRPr lang="en-US"/>
           </a:p>
@@ -1917,7 +1908,7 @@
     </p:spTree>
     <p:extLst>
       <p:ext uri="{BB962C8B-B14F-4D97-AF65-F5344CB8AC3E}">
-        <p14:creationId xmlns:p14="http://schemas.microsoft.com/office/powerpoint/2010/main" val="1305851628"/>
+        <p14:creationId xmlns:p14="http://schemas.microsoft.com/office/powerpoint/2010/main" val="336938626"/>
       </p:ext>
     </p:extLst>
   </p:cSld>
@@ -1946,40 +1937,75 @@
       </p:grpSpPr>
       <p:sp>
         <p:nvSpPr>
-          <p:cNvPr id="97282" name="Rectangle 2"/>
-          <p:cNvSpPr>
-            <a:spLocks noGrp="1" noRot="1" noChangeAspect="1" noChangeArrowheads="1" noTextEdit="1"/>
+          <p:cNvPr id="2" name="Slide Image Placeholder 1"/>
+          <p:cNvSpPr>
+            <a:spLocks noGrp="1" noRot="1" noChangeAspect="1"/>
           </p:cNvSpPr>
           <p:nvPr>
             <p:ph type="sldImg"/>
           </p:nvPr>
         </p:nvSpPr>
-        <p:spPr>
-          <a:ln cap="flat"/>
-          <a:extLst>
-            <a:ext uri="{FAA26D3D-D897-4be2-8F04-BA451C77F1D7}">
-              <ma14:placeholderFlag xmlns:ma14="http://schemas.microsoft.com/office/mac/drawingml/2011/main" val="1"/>
-            </a:ext>
-          </a:extLst>
-        </p:spPr>
-      </p:sp>
-      <p:sp>
-        <p:nvSpPr>
-          <p:cNvPr id="97283" name="Rectangle 3"/>
-          <p:cNvSpPr>
-            <a:spLocks noGrp="1" noChangeArrowheads="1"/>
+        <p:spPr/>
+      </p:sp>
+      <p:sp>
+        <p:nvSpPr>
+          <p:cNvPr id="3" name="Notes Placeholder 2"/>
+          <p:cNvSpPr>
+            <a:spLocks noGrp="1"/>
           </p:cNvSpPr>
           <p:nvPr>
             <p:ph type="body" idx="1"/>
           </p:nvPr>
         </p:nvSpPr>
-        <p:spPr>
-          <a:ln/>
-        </p:spPr>
+        <p:spPr/>
         <p:txBody>
           <a:bodyPr/>
           <a:lstStyle/>
           <a:p>
+            <a:pPr fontAlgn="t"/>
+            <a:r>
+              <a:rPr lang="en-US" dirty="0" smtClean="0">
+                <a:effectLst/>
+              </a:rPr>
+              <a:t>Another common dangling pointer example is an access of a memory location via pointer, after free has been </a:t>
+            </a:r>
+            <a:r>
+              <a:rPr lang="en-US" b="1" dirty="0" smtClean="0">
+                <a:effectLst/>
+              </a:rPr>
+              <a:t>explicitly</a:t>
+            </a:r>
+            <a:r>
+              <a:rPr lang="en-US" dirty="0" smtClean="0">
+                <a:effectLst/>
+              </a:rPr>
+              <a:t> called on that memory.</a:t>
+            </a:r>
+          </a:p>
+          <a:p>
+            <a:endParaRPr lang="en-US" dirty="0"/>
+          </a:p>
+        </p:txBody>
+      </p:sp>
+      <p:sp>
+        <p:nvSpPr>
+          <p:cNvPr id="4" name="Slide Number Placeholder 3"/>
+          <p:cNvSpPr>
+            <a:spLocks noGrp="1"/>
+          </p:cNvSpPr>
+          <p:nvPr>
+            <p:ph type="sldNum" sz="quarter" idx="10"/>
+          </p:nvPr>
+        </p:nvSpPr>
+        <p:spPr/>
+        <p:txBody>
+          <a:bodyPr/>
+          <a:lstStyle/>
+          <a:p>
+            <a:fld id="{700CF522-F05E-8946-A5FF-DB9FEEF2D366}" type="slidenum">
+              <a:rPr lang="en-US" smtClean="0"/>
+              <a:t>31</a:t>
+            </a:fld>
             <a:endParaRPr lang="en-US"/>
           </a:p>
         </p:txBody>
@@ -1987,7 +2013,7 @@
     </p:spTree>
     <p:extLst>
       <p:ext uri="{BB962C8B-B14F-4D97-AF65-F5344CB8AC3E}">
-        <p14:creationId xmlns:p14="http://schemas.microsoft.com/office/powerpoint/2010/main" val="1792378348"/>
+        <p14:creationId xmlns:p14="http://schemas.microsoft.com/office/powerpoint/2010/main" val="1305851628"/>
       </p:ext>
     </p:extLst>
   </p:cSld>
@@ -2016,12 +2042,31 @@
       </p:grpSpPr>
       <p:sp>
         <p:nvSpPr>
-          <p:cNvPr id="7" name="Rectangle 7"/>
+          <p:cNvPr id="97282" name="Rectangle 2"/>
+          <p:cNvSpPr>
+            <a:spLocks noGrp="1" noRot="1" noChangeAspect="1" noChangeArrowheads="1" noTextEdit="1"/>
+          </p:cNvSpPr>
+          <p:nvPr>
+            <p:ph type="sldImg"/>
+          </p:nvPr>
+        </p:nvSpPr>
+        <p:spPr>
+          <a:ln cap="flat"/>
+          <a:extLst>
+            <a:ext uri="{FAA26D3D-D897-4be2-8F04-BA451C77F1D7}">
+              <ma14:placeholderFlag xmlns:ma14="http://schemas.microsoft.com/office/mac/drawingml/2011/main" val="1"/>
+            </a:ext>
+          </a:extLst>
+        </p:spPr>
+      </p:sp>
+      <p:sp>
+        <p:nvSpPr>
+          <p:cNvPr id="97283" name="Rectangle 3"/>
           <p:cNvSpPr>
             <a:spLocks noGrp="1" noChangeArrowheads="1"/>
           </p:cNvSpPr>
           <p:nvPr>
-            <p:ph type="sldNum" sz="quarter" idx="5"/>
+            <p:ph type="body" idx="1"/>
           </p:nvPr>
         </p:nvSpPr>
         <p:spPr>
@@ -2031,52 +2076,14 @@
           <a:bodyPr/>
           <a:lstStyle/>
           <a:p>
-            <a:fld id="{EEDAA0E5-EBCA-4233-B181-312910E0BFDF}" type="slidenum">
-              <a:rPr lang="en-US" altLang="zh-CN"/>
-              <a:pPr/>
-              <a:t>33</a:t>
-            </a:fld>
-            <a:endParaRPr lang="en-US" altLang="zh-CN"/>
-          </a:p>
-        </p:txBody>
-      </p:sp>
-      <p:sp>
-        <p:nvSpPr>
-          <p:cNvPr id="8194" name="Rectangle 2"/>
-          <p:cNvSpPr>
-            <a:spLocks noGrp="1" noRot="1" noChangeAspect="1" noChangeArrowheads="1" noTextEdit="1"/>
-          </p:cNvSpPr>
-          <p:nvPr>
-            <p:ph type="sldImg"/>
-          </p:nvPr>
-        </p:nvSpPr>
-        <p:spPr>
-          <a:ln/>
-        </p:spPr>
-      </p:sp>
-      <p:sp>
-        <p:nvSpPr>
-          <p:cNvPr id="8195" name="Rectangle 3"/>
-          <p:cNvSpPr>
-            <a:spLocks noGrp="1" noChangeArrowheads="1"/>
-          </p:cNvSpPr>
-          <p:nvPr>
-            <p:ph type="body" idx="1"/>
-          </p:nvPr>
-        </p:nvSpPr>
-        <p:spPr/>
-        <p:txBody>
-          <a:bodyPr/>
-          <a:lstStyle/>
-          <a:p>
-            <a:endParaRPr lang="zh-CN" altLang="zh-CN"/>
+            <a:endParaRPr lang="en-US"/>
           </a:p>
         </p:txBody>
       </p:sp>
     </p:spTree>
     <p:extLst>
       <p:ext uri="{BB962C8B-B14F-4D97-AF65-F5344CB8AC3E}">
-        <p14:creationId xmlns:p14="http://schemas.microsoft.com/office/powerpoint/2010/main" val="883952151"/>
+        <p14:creationId xmlns:p14="http://schemas.microsoft.com/office/powerpoint/2010/main" val="1792378348"/>
       </p:ext>
     </p:extLst>
   </p:cSld>
@@ -2239,6 +2246,95 @@
       </p:grpSpPr>
       <p:sp>
         <p:nvSpPr>
+          <p:cNvPr id="7" name="Rectangle 7"/>
+          <p:cNvSpPr>
+            <a:spLocks noGrp="1" noChangeArrowheads="1"/>
+          </p:cNvSpPr>
+          <p:nvPr>
+            <p:ph type="sldNum" sz="quarter" idx="5"/>
+          </p:nvPr>
+        </p:nvSpPr>
+        <p:spPr>
+          <a:ln/>
+        </p:spPr>
+        <p:txBody>
+          <a:bodyPr/>
+          <a:lstStyle/>
+          <a:p>
+            <a:fld id="{EEDAA0E5-EBCA-4233-B181-312910E0BFDF}" type="slidenum">
+              <a:rPr lang="en-US" altLang="zh-CN"/>
+              <a:pPr/>
+              <a:t>33</a:t>
+            </a:fld>
+            <a:endParaRPr lang="en-US" altLang="zh-CN"/>
+          </a:p>
+        </p:txBody>
+      </p:sp>
+      <p:sp>
+        <p:nvSpPr>
+          <p:cNvPr id="8194" name="Rectangle 2"/>
+          <p:cNvSpPr>
+            <a:spLocks noGrp="1" noRot="1" noChangeAspect="1" noChangeArrowheads="1" noTextEdit="1"/>
+          </p:cNvSpPr>
+          <p:nvPr>
+            <p:ph type="sldImg"/>
+          </p:nvPr>
+        </p:nvSpPr>
+        <p:spPr>
+          <a:ln/>
+        </p:spPr>
+      </p:sp>
+      <p:sp>
+        <p:nvSpPr>
+          <p:cNvPr id="8195" name="Rectangle 3"/>
+          <p:cNvSpPr>
+            <a:spLocks noGrp="1" noChangeArrowheads="1"/>
+          </p:cNvSpPr>
+          <p:nvPr>
+            <p:ph type="body" idx="1"/>
+          </p:nvPr>
+        </p:nvSpPr>
+        <p:spPr/>
+        <p:txBody>
+          <a:bodyPr/>
+          <a:lstStyle/>
+          <a:p>
+            <a:endParaRPr lang="zh-CN" altLang="zh-CN"/>
+          </a:p>
+        </p:txBody>
+      </p:sp>
+    </p:spTree>
+    <p:extLst>
+      <p:ext uri="{BB962C8B-B14F-4D97-AF65-F5344CB8AC3E}">
+        <p14:creationId xmlns:p14="http://schemas.microsoft.com/office/powerpoint/2010/main" val="883952151"/>
+      </p:ext>
+    </p:extLst>
+  </p:cSld>
+  <p:clrMapOvr>
+    <a:masterClrMapping/>
+  </p:clrMapOvr>
+</p:notes>
+</file>
+
+<file path=ppt/notesSlides/notesSlide21.xml><?xml version="1.0" encoding="utf-8"?>
+<p:notes xmlns:a="http://schemas.openxmlformats.org/drawingml/2006/main" xmlns:r="http://schemas.openxmlformats.org/officeDocument/2006/relationships" xmlns:p="http://schemas.openxmlformats.org/presentationml/2006/main">
+  <p:cSld>
+    <p:spTree>
+      <p:nvGrpSpPr>
+        <p:cNvPr id="1" name=""/>
+        <p:cNvGrpSpPr/>
+        <p:nvPr/>
+      </p:nvGrpSpPr>
+      <p:grpSpPr>
+        <a:xfrm>
+          <a:off x="0" y="0"/>
+          <a:ext cx="0" cy="0"/>
+          <a:chOff x="0" y="0"/>
+          <a:chExt cx="0" cy="0"/>
+        </a:xfrm>
+      </p:grpSpPr>
+      <p:sp>
+        <p:nvSpPr>
           <p:cNvPr id="2" name="Slide Image Placeholder 1"/>
           <p:cNvSpPr>
             <a:spLocks noGrp="1" noRot="1" noChangeAspect="1"/>
@@ -2312,7 +2408,7 @@
 </p:notes>
 </file>
 
-<file path=ppt/notesSlides/notesSlide21.xml><?xml version="1.0" encoding="utf-8"?>
+<file path=ppt/notesSlides/notesSlide22.xml><?xml version="1.0" encoding="utf-8"?>
 <p:notes xmlns:a="http://schemas.openxmlformats.org/drawingml/2006/main" xmlns:r="http://schemas.openxmlformats.org/officeDocument/2006/relationships" xmlns:p="http://schemas.openxmlformats.org/presentationml/2006/main">
   <p:cSld>
     <p:spTree>
@@ -2657,12 +2753,146 @@
             </a:r>
           </a:p>
           <a:p>
+            <a:endParaRPr lang="en-US" baseline="0" dirty="0" smtClean="0"/>
+          </a:p>
+          <a:p>
             <a:r>
               <a:rPr lang="en-US" baseline="0" dirty="0" smtClean="0"/>
-              <a:t>For directory, x is for searching the content</a:t>
-            </a:r>
-          </a:p>
-          <a:p>
+              <a:t>For </a:t>
+            </a:r>
+            <a:r>
+              <a:rPr lang="en-US" baseline="0" dirty="0" smtClean="0"/>
+              <a:t>directory, x is for searching the content</a:t>
+            </a:r>
+          </a:p>
+          <a:p>
+            <a:endParaRPr lang="en-US" dirty="0" smtClean="0"/>
+          </a:p>
+          <a:p>
+            <a:r>
+              <a:rPr lang="en-US" dirty="0" smtClean="0"/>
+              <a:t>https://</a:t>
+            </a:r>
+            <a:r>
+              <a:rPr lang="en-US" dirty="0" err="1" smtClean="0"/>
+              <a:t>unix.stackexchange.com</a:t>
+            </a:r>
+            <a:r>
+              <a:rPr lang="en-US" dirty="0" smtClean="0"/>
+              <a:t>/questions/150449/what-does-execute-permission-mean-on-a-folder</a:t>
+            </a:r>
+          </a:p>
+          <a:p>
+            <a:pPr fontAlgn="base"/>
+            <a:r>
+              <a:rPr lang="en-US" sz="1200" b="0" i="0" kern="1200" dirty="0" smtClean="0">
+                <a:solidFill>
+                  <a:schemeClr val="tx1"/>
+                </a:solidFill>
+                <a:effectLst/>
+                <a:latin typeface="+mn-lt"/>
+                <a:ea typeface="+mn-ea"/>
+                <a:cs typeface="+mn-cs"/>
+              </a:rPr>
+              <a:t>With the execute bit set you have the permission</a:t>
+            </a:r>
+          </a:p>
+          <a:p>
+            <a:pPr fontAlgn="base"/>
+            <a:r>
+              <a:rPr lang="en-US" sz="1200" b="0" i="0" kern="1200" dirty="0" smtClean="0">
+                <a:solidFill>
+                  <a:schemeClr val="tx1"/>
+                </a:solidFill>
+                <a:effectLst/>
+                <a:latin typeface="+mn-lt"/>
+                <a:ea typeface="+mn-ea"/>
+                <a:cs typeface="+mn-cs"/>
+              </a:rPr>
+              <a:t>  1) to cd into the directory (The execute bit is needed to be able to change into the directory.)</a:t>
+            </a:r>
+          </a:p>
+          <a:p>
+            <a:pPr fontAlgn="base"/>
+            <a:r>
+              <a:rPr lang="en-US" sz="1200" b="0" i="0" kern="1200" dirty="0" smtClean="0">
+                <a:solidFill>
+                  <a:schemeClr val="tx1"/>
+                </a:solidFill>
+                <a:effectLst/>
+                <a:latin typeface="+mn-lt"/>
+                <a:ea typeface="+mn-ea"/>
+                <a:cs typeface="+mn-cs"/>
+              </a:rPr>
+              <a:t>  2) Also for long listing </a:t>
+            </a:r>
+            <a:r>
+              <a:rPr lang="en-US" sz="1200" b="0" i="0" kern="1200" dirty="0" err="1" smtClean="0">
+                <a:solidFill>
+                  <a:schemeClr val="tx1"/>
+                </a:solidFill>
+                <a:effectLst/>
+                <a:latin typeface="+mn-lt"/>
+                <a:ea typeface="+mn-ea"/>
+                <a:cs typeface="+mn-cs"/>
+              </a:rPr>
+              <a:t>ls</a:t>
+            </a:r>
+            <a:r>
+              <a:rPr lang="en-US" sz="1200" b="0" i="0" kern="1200" dirty="0" smtClean="0">
+                <a:solidFill>
+                  <a:schemeClr val="tx1"/>
+                </a:solidFill>
+                <a:effectLst/>
+                <a:latin typeface="+mn-lt"/>
+                <a:ea typeface="+mn-ea"/>
+                <a:cs typeface="+mn-cs"/>
+              </a:rPr>
+              <a:t> -l i.e. to view the meta data of the files inside the directory (Provided that read permission is there for the directory.</a:t>
+            </a:r>
+          </a:p>
+          <a:p>
+            <a:endParaRPr lang="en-US" dirty="0" smtClean="0"/>
+          </a:p>
+          <a:p>
+            <a:r>
+              <a:rPr lang="en-US" sz="1200" b="1" i="0" kern="1200" dirty="0" smtClean="0">
+                <a:solidFill>
+                  <a:schemeClr val="tx1"/>
+                </a:solidFill>
+                <a:effectLst/>
+                <a:latin typeface="+mn-lt"/>
+                <a:ea typeface="+mn-ea"/>
+                <a:cs typeface="+mn-cs"/>
+              </a:rPr>
+              <a:t>644</a:t>
+            </a:r>
+            <a:r>
+              <a:rPr lang="en-US" sz="1200" b="0" i="0" kern="1200" dirty="0" smtClean="0">
+                <a:solidFill>
+                  <a:schemeClr val="tx1"/>
+                </a:solidFill>
+                <a:effectLst/>
+                <a:latin typeface="+mn-lt"/>
+                <a:ea typeface="+mn-ea"/>
+                <a:cs typeface="+mn-cs"/>
+              </a:rPr>
+              <a:t> means that files are readable and writeable by the owner of the file and readable by users in the group owner of that file and readable by everyone else. </a:t>
+            </a:r>
+          </a:p>
+          <a:p>
+            <a:r>
+              <a:rPr lang="en-US" sz="1200" b="0" i="0" kern="1200" dirty="0" smtClean="0">
+                <a:solidFill>
+                  <a:schemeClr val="tx1"/>
+                </a:solidFill>
+                <a:effectLst/>
+                <a:latin typeface="+mn-lt"/>
+                <a:ea typeface="+mn-ea"/>
+                <a:cs typeface="+mn-cs"/>
+              </a:rPr>
+              <a:t>755 is the same thing, it just has the execute bit set for everyone</a:t>
+            </a:r>
             <a:endParaRPr lang="en-US" dirty="0"/>
           </a:p>
         </p:txBody>
@@ -2755,8 +2985,15 @@
           <a:p>
             <a:r>
               <a:rPr lang="en-US" dirty="0" smtClean="0"/>
-              <a:t>&lt; &gt; — inequality signs, pointy brackets, or brackets.</a:t>
-            </a:r>
+              <a:t>&lt; &gt; — inequality signs, pointy brackets, or brackets</a:t>
+            </a:r>
+            <a:r>
+              <a:rPr lang="en-US" dirty="0" smtClean="0"/>
+              <a:t>.</a:t>
+            </a:r>
+          </a:p>
+          <a:p>
+            <a:endParaRPr lang="en-US" dirty="0" smtClean="0"/>
           </a:p>
           <a:p>
             <a:endParaRPr lang="en-US" dirty="0" smtClean="0"/>
@@ -3253,7 +3490,7 @@
           <a:p>
             <a:fld id="{ABADC6AE-926E-EB46-B8FC-9667B257EE73}" type="datetime1">
               <a:rPr lang="en-US" smtClean="0"/>
-              <a:t>9/7/18</a:t>
+              <a:t>9/10/18</a:t>
             </a:fld>
             <a:endParaRPr lang="en-US"/>
           </a:p>
@@ -3435,7 +3672,7 @@
           <a:p>
             <a:fld id="{E4F8A470-08EF-614D-BCC9-E2DDCDFFE454}" type="datetime1">
               <a:rPr lang="en-US" smtClean="0"/>
-              <a:t>9/7/18</a:t>
+              <a:t>9/10/18</a:t>
             </a:fld>
             <a:endParaRPr lang="en-US"/>
           </a:p>
@@ -3622,7 +3859,7 @@
           <a:p>
             <a:fld id="{AC56EEEE-62FA-B747-AC9A-642FE7F5EF9B}" type="datetime1">
               <a:rPr lang="en-US" smtClean="0"/>
-              <a:t>9/7/18</a:t>
+              <a:t>9/10/18</a:t>
             </a:fld>
             <a:endParaRPr lang="en-US"/>
           </a:p>
@@ -3778,7 +4015,7 @@
           <a:p>
             <a:fld id="{1F477C8D-48FB-BF44-B6D5-4E85A8E18A15}" type="datetime1">
               <a:rPr lang="en-US" smtClean="0"/>
-              <a:t>9/7/18</a:t>
+              <a:t>9/10/18</a:t>
             </a:fld>
             <a:endParaRPr lang="en-US"/>
           </a:p>
@@ -4065,7 +4302,7 @@
           <a:p>
             <a:fld id="{DF8BADF2-0887-724B-A839-500D892D50B2}" type="datetime1">
               <a:rPr lang="en-US" smtClean="0"/>
-              <a:t>9/7/18</a:t>
+              <a:t>9/10/18</a:t>
             </a:fld>
             <a:endParaRPr lang="en-US"/>
           </a:p>
@@ -4365,7 +4602,7 @@
           <a:p>
             <a:fld id="{AB679CD2-02A6-CF4B-81E1-8900F68564D6}" type="datetime1">
               <a:rPr lang="en-US" smtClean="0"/>
-              <a:t>9/7/18</a:t>
+              <a:t>9/10/18</a:t>
             </a:fld>
             <a:endParaRPr lang="en-US"/>
           </a:p>
@@ -4799,7 +5036,7 @@
           <a:p>
             <a:fld id="{1C655F5E-2E53-4E4B-9444-4A64692CB673}" type="datetime1">
               <a:rPr lang="en-US" smtClean="0"/>
-              <a:t>9/7/18</a:t>
+              <a:t>9/10/18</a:t>
             </a:fld>
             <a:endParaRPr lang="en-US"/>
           </a:p>
@@ -4929,7 +5166,7 @@
           <a:p>
             <a:fld id="{CA8CAF75-CF7F-A543-973A-BC50716AB675}" type="datetime1">
               <a:rPr lang="en-US" smtClean="0"/>
-              <a:t>9/7/18</a:t>
+              <a:t>9/10/18</a:t>
             </a:fld>
             <a:endParaRPr lang="en-US"/>
           </a:p>
@@ -5027,7 +5264,7 @@
           <a:p>
             <a:fld id="{BF82A31A-3479-9246-9E87-DD4066827871}" type="datetime1">
               <a:rPr lang="en-US" smtClean="0"/>
-              <a:t>9/7/18</a:t>
+              <a:t>9/10/18</a:t>
             </a:fld>
             <a:endParaRPr lang="en-US"/>
           </a:p>
@@ -5310,7 +5547,7 @@
           <a:p>
             <a:fld id="{42D814F9-59BE-C34C-B5F0-2D95F91463AA}" type="datetime1">
               <a:rPr lang="en-US" smtClean="0"/>
-              <a:t>9/7/18</a:t>
+              <a:t>9/10/18</a:t>
             </a:fld>
             <a:endParaRPr lang="en-US"/>
           </a:p>
@@ -5570,7 +5807,7 @@
           <a:p>
             <a:fld id="{B138EFD8-0C61-A541-90AF-E8C2C75167F4}" type="datetime1">
               <a:rPr lang="en-US" smtClean="0"/>
-              <a:t>9/7/18</a:t>
+              <a:t>9/10/18</a:t>
             </a:fld>
             <a:endParaRPr lang="en-US"/>
           </a:p>
@@ -5754,7 +5991,7 @@
           <a:p>
             <a:fld id="{2DCE6237-6632-494A-BB45-136EF54BD008}" type="datetime1">
               <a:rPr lang="en-US" smtClean="0"/>
-              <a:t>9/7/18</a:t>
+              <a:t>9/10/18</a:t>
             </a:fld>
             <a:endParaRPr lang="en-US"/>
           </a:p>
@@ -6518,15 +6755,7 @@
             </a:pPr>
             <a:r>
               <a:rPr lang="en-US" dirty="0" smtClean="0"/>
-              <a:t>Instructor: </a:t>
-            </a:r>
-            <a:r>
-              <a:rPr lang="en-US" dirty="0" smtClean="0"/>
-              <a:t>Tommy Dang, </a:t>
-            </a:r>
-            <a:r>
-              <a:rPr lang="en-US" dirty="0" smtClean="0"/>
-              <a:t>Ph.D.</a:t>
+              <a:t>Instructor: Tommy Dang, Ph.D.</a:t>
             </a:r>
           </a:p>
           <a:p>
@@ -9735,6 +9964,9 @@
             </a:pPr>
             <a:r>
               <a:rPr lang="en-CA" dirty="0">
+                <a:solidFill>
+                  <a:srgbClr val="FF0000"/>
+                </a:solidFill>
                 <a:latin typeface="Calibri"/>
                 <a:cs typeface="Calibri"/>
               </a:rPr>
@@ -9748,11 +9980,18 @@
               </a:lnSpc>
             </a:pPr>
             <a:r>
+              <a:rPr lang="en-CA" b="1" dirty="0">
+                <a:latin typeface="Calibri"/>
+                <a:cs typeface="Calibri"/>
+              </a:rPr>
+              <a:t>To avoid repetition</a:t>
+            </a:r>
+            <a:r>
               <a:rPr lang="en-CA" dirty="0">
                 <a:latin typeface="Calibri"/>
                 <a:cs typeface="Calibri"/>
               </a:rPr>
-              <a:t>To avoid repetition:</a:t>
+              <a:t>:</a:t>
             </a:r>
             <a:endParaRPr lang="en-US" dirty="0">
               <a:latin typeface="Calibri"/>
@@ -9808,11 +10047,18 @@
               </a:lnSpc>
             </a:pPr>
             <a:r>
+              <a:rPr lang="en-CA" b="1" dirty="0">
+                <a:latin typeface="Calibri"/>
+                <a:cs typeface="Calibri"/>
+              </a:rPr>
+              <a:t>To automate difficult tasks</a:t>
+            </a:r>
+            <a:r>
               <a:rPr lang="en-CA" dirty="0">
                 <a:latin typeface="Calibri"/>
                 <a:cs typeface="Calibri"/>
               </a:rPr>
-              <a:t>To automate difficult tasks:</a:t>
+              <a:t>:</a:t>
             </a:r>
             <a:endParaRPr lang="en-US" dirty="0">
               <a:latin typeface="Calibri"/>
@@ -10039,14 +10285,14 @@
           <a:effectLst/>
           <a:extLst>
             <a:ext uri="{909E8E84-426E-40dd-AFC4-6F175D3DCCD1}">
-              <a14:hiddenFill xmlns="" xmlns:a14="http://schemas.microsoft.com/office/drawing/2010/main">
+              <a14:hiddenFill xmlns:a14="http://schemas.microsoft.com/office/drawing/2010/main" xmlns="">
                 <a:solidFill>
                   <a:schemeClr val="accent1"/>
                 </a:solidFill>
               </a14:hiddenFill>
             </a:ext>
             <a:ext uri="{AF507438-7753-43e0-B8FC-AC1667EBCBE1}">
-              <a14:hiddenEffects xmlns="" xmlns:a14="http://schemas.microsoft.com/office/drawing/2010/main">
+              <a14:hiddenEffects xmlns:a14="http://schemas.microsoft.com/office/drawing/2010/main" xmlns="">
                 <a:effectLst>
                   <a:outerShdw blurRad="63500" dist="38099" dir="2700000" algn="ctr" rotWithShape="0">
                     <a:schemeClr val="bg2">
@@ -10434,14 +10680,14 @@
           <a:effectLst/>
           <a:extLst>
             <a:ext uri="{909E8E84-426E-40dd-AFC4-6F175D3DCCD1}">
-              <a14:hiddenFill xmlns="" xmlns:a14="http://schemas.microsoft.com/office/drawing/2010/main">
+              <a14:hiddenFill xmlns:a14="http://schemas.microsoft.com/office/drawing/2010/main" xmlns="">
                 <a:solidFill>
                   <a:schemeClr val="accent1"/>
                 </a:solidFill>
               </a14:hiddenFill>
             </a:ext>
             <a:ext uri="{AF507438-7753-43e0-B8FC-AC1667EBCBE1}">
-              <a14:hiddenEffects xmlns="" xmlns:a14="http://schemas.microsoft.com/office/drawing/2010/main">
+              <a14:hiddenEffects xmlns:a14="http://schemas.microsoft.com/office/drawing/2010/main" xmlns="">
                 <a:effectLst>
                   <a:outerShdw blurRad="63500" dist="38099" dir="2700000" algn="ctr" rotWithShape="0">
                     <a:schemeClr val="bg2">
@@ -10881,7 +11127,7 @@
           <a:p>
             <a:fld id="{C94E3762-5D8A-3A4E-B6DB-2FE9B8FB070F}" type="datetime1">
               <a:rPr lang="en-US" smtClean="0"/>
-              <a:t>9/7/18</a:t>
+              <a:t>9/10/18</a:t>
             </a:fld>
             <a:endParaRPr lang="en-US"/>
           </a:p>
@@ -12451,8 +12697,85 @@
                 <a:latin typeface="Calibri" charset="0"/>
                 <a:cs typeface="Calibri" charset="0"/>
               </a:rPr>
-              <a:t>' at the beginning</a:t>
-            </a:r>
+              <a:t>' at the </a:t>
+            </a:r>
+            <a:r>
+              <a:rPr lang="en-US" dirty="0" smtClean="0">
+                <a:latin typeface="Calibri" charset="0"/>
+                <a:cs typeface="Calibri" charset="0"/>
+              </a:rPr>
+              <a:t>beginning</a:t>
+            </a:r>
+          </a:p>
+          <a:p>
+            <a:pPr>
+              <a:lnSpc>
+                <a:spcPct val="90000"/>
+              </a:lnSpc>
+            </a:pPr>
+            <a:r>
+              <a:rPr lang="en-US" dirty="0" smtClean="0">
+                <a:latin typeface="Calibri" charset="0"/>
+                <a:cs typeface="Calibri" charset="0"/>
+              </a:rPr>
+              <a:t>This '</a:t>
+            </a:r>
+            <a:r>
+              <a:rPr lang="en-US" dirty="0" smtClean="0">
+                <a:solidFill>
+                  <a:srgbClr val="FF0000"/>
+                </a:solidFill>
+                <a:latin typeface="Calibri" charset="0"/>
+                <a:cs typeface="Calibri" charset="0"/>
+              </a:rPr>
+              <a:t>$</a:t>
+            </a:r>
+            <a:r>
+              <a:rPr lang="en-US" dirty="0" smtClean="0">
+                <a:latin typeface="Calibri" charset="0"/>
+                <a:cs typeface="Calibri" charset="0"/>
+              </a:rPr>
+              <a:t>’ is different from the </a:t>
+            </a:r>
+            <a:r>
+              <a:rPr lang="en-US" smtClean="0">
+                <a:latin typeface="Calibri" charset="0"/>
+                <a:cs typeface="Calibri" charset="0"/>
+              </a:rPr>
+              <a:t>first </a:t>
+            </a:r>
+            <a:r>
+              <a:rPr lang="en-US" smtClean="0">
+                <a:latin typeface="Courier New" charset="0"/>
+                <a:cs typeface="Courier New" charset="0"/>
+              </a:rPr>
+              <a:t>$ </a:t>
+            </a:r>
+            <a:r>
+              <a:rPr lang="en-US" smtClean="0">
+                <a:latin typeface="Calibri" charset="0"/>
+                <a:cs typeface="Calibri" charset="0"/>
+              </a:rPr>
+              <a:t>the </a:t>
+            </a:r>
+            <a:r>
+              <a:rPr lang="en-US" dirty="0" smtClean="0">
+                <a:latin typeface="Calibri" charset="0"/>
+                <a:cs typeface="Calibri" charset="0"/>
+              </a:rPr>
+              <a:t>beginning of </a:t>
+            </a:r>
+            <a:r>
+              <a:rPr lang="en-US" smtClean="0">
+                <a:latin typeface="Calibri" charset="0"/>
+                <a:cs typeface="Calibri" charset="0"/>
+              </a:rPr>
+              <a:t>command line</a:t>
+            </a:r>
+            <a:endParaRPr lang="en-US" dirty="0">
+              <a:latin typeface="Calibri" charset="0"/>
+              <a:cs typeface="Calibri" charset="0"/>
+            </a:endParaRPr>
           </a:p>
         </p:txBody>
       </p:sp>
@@ -13658,7 +13981,7 @@
           <a:p>
             <a:fld id="{C94E3762-5D8A-3A4E-B6DB-2FE9B8FB070F}" type="datetime1">
               <a:rPr lang="en-US" smtClean="0"/>
-              <a:t>9/7/18</a:t>
+              <a:t>9/10/18</a:t>
             </a:fld>
             <a:endParaRPr lang="en-US"/>
           </a:p>
@@ -14348,14 +14671,14 @@
           <a:effectLst/>
           <a:extLst>
             <a:ext uri="{909E8E84-426E-40dd-AFC4-6F175D3DCCD1}">
-              <a14:hiddenFill xmlns="" xmlns:a14="http://schemas.microsoft.com/office/drawing/2010/main">
+              <a14:hiddenFill xmlns:a14="http://schemas.microsoft.com/office/drawing/2010/main" xmlns="">
                 <a:solidFill>
                   <a:schemeClr val="accent1"/>
                 </a:solidFill>
               </a14:hiddenFill>
             </a:ext>
             <a:ext uri="{91240B29-F687-4f45-9708-019B960494DF}">
-              <a14:hiddenLine xmlns="" xmlns:a14="http://schemas.microsoft.com/office/drawing/2010/main" w="9525">
+              <a14:hiddenLine xmlns:a14="http://schemas.microsoft.com/office/drawing/2010/main" xmlns="" w="9525">
                 <a:solidFill>
                   <a:schemeClr val="tx1"/>
                 </a:solidFill>
@@ -14365,7 +14688,7 @@
               </a14:hiddenLine>
             </a:ext>
             <a:ext uri="{AF507438-7753-43e0-B8FC-AC1667EBCBE1}">
-              <a14:hiddenEffects xmlns="" xmlns:a14="http://schemas.microsoft.com/office/drawing/2010/main">
+              <a14:hiddenEffects xmlns:a14="http://schemas.microsoft.com/office/drawing/2010/main" xmlns="">
                 <a:effectLst>
                   <a:outerShdw blurRad="63500" dist="38099" dir="2700000" algn="ctr" rotWithShape="0">
                     <a:schemeClr val="bg2">
@@ -14433,7 +14756,7 @@
           <a:noFill/>
           <a:extLst>
             <a:ext uri="{909E8E84-426E-40dd-AFC4-6F175D3DCCD1}">
-              <a14:hiddenFill xmlns="" xmlns:a14="http://schemas.microsoft.com/office/drawing/2010/main">
+              <a14:hiddenFill xmlns:a14="http://schemas.microsoft.com/office/drawing/2010/main" xmlns="">
                 <a:solidFill>
                   <a:srgbClr val="FFFFFF"/>
                 </a:solidFill>
@@ -15664,7 +15987,7 @@
           <a:p>
             <a:fld id="{C94E3762-5D8A-3A4E-B6DB-2FE9B8FB070F}" type="datetime1">
               <a:rPr lang="en-US" smtClean="0"/>
-              <a:t>9/7/18</a:t>
+              <a:t>9/10/18</a:t>
             </a:fld>
             <a:endParaRPr lang="en-US"/>
           </a:p>
@@ -15767,14 +16090,14 @@
           <a:effectLst/>
           <a:extLst>
             <a:ext uri="{909E8E84-426E-40dd-AFC4-6F175D3DCCD1}">
-              <a14:hiddenFill xmlns="" xmlns:a14="http://schemas.microsoft.com/office/drawing/2010/main">
+              <a14:hiddenFill xmlns:a14="http://schemas.microsoft.com/office/drawing/2010/main" xmlns="">
                 <a:solidFill>
                   <a:schemeClr val="accent1"/>
                 </a:solidFill>
               </a14:hiddenFill>
             </a:ext>
             <a:ext uri="{91240B29-F687-4f45-9708-019B960494DF}">
-              <a14:hiddenLine xmlns="" xmlns:a14="http://schemas.microsoft.com/office/drawing/2010/main" w="9525">
+              <a14:hiddenLine xmlns:a14="http://schemas.microsoft.com/office/drawing/2010/main" xmlns="" w="9525">
                 <a:solidFill>
                   <a:schemeClr val="tx1"/>
                 </a:solidFill>
@@ -15784,7 +16107,7 @@
               </a14:hiddenLine>
             </a:ext>
             <a:ext uri="{AF507438-7753-43e0-B8FC-AC1667EBCBE1}">
-              <a14:hiddenEffects xmlns="" xmlns:a14="http://schemas.microsoft.com/office/drawing/2010/main">
+              <a14:hiddenEffects xmlns:a14="http://schemas.microsoft.com/office/drawing/2010/main" xmlns="">
                 <a:effectLst>
                   <a:outerShdw blurRad="63500" dist="38099" dir="2700000" algn="ctr" rotWithShape="0">
                     <a:schemeClr val="bg2">
@@ -15851,7 +16174,7 @@
           <a:noFill/>
           <a:extLst>
             <a:ext uri="{909E8E84-426E-40dd-AFC4-6F175D3DCCD1}">
-              <a14:hiddenFill xmlns="" xmlns:a14="http://schemas.microsoft.com/office/drawing/2010/main">
+              <a14:hiddenFill xmlns:a14="http://schemas.microsoft.com/office/drawing/2010/main" xmlns="">
                 <a:solidFill>
                   <a:srgbClr val="FFFFFF"/>
                 </a:solidFill>
@@ -16090,7 +16413,7 @@
           <a:p>
             <a:fld id="{C94E3762-5D8A-3A4E-B6DB-2FE9B8FB070F}" type="datetime1">
               <a:rPr lang="en-US" smtClean="0"/>
-              <a:t>9/7/18</a:t>
+              <a:t>9/10/18</a:t>
             </a:fld>
             <a:endParaRPr lang="en-US"/>
           </a:p>
@@ -16197,7 +16520,7 @@
           <a:noFill/>
           <a:extLst>
             <a:ext uri="{909E8E84-426E-40dd-AFC4-6F175D3DCCD1}">
-              <a14:hiddenFill xmlns="" xmlns:a14="http://schemas.microsoft.com/office/drawing/2010/main">
+              <a14:hiddenFill xmlns:a14="http://schemas.microsoft.com/office/drawing/2010/main" xmlns="">
                 <a:solidFill>
                   <a:srgbClr val="FFFFFF"/>
                 </a:solidFill>
@@ -16229,14 +16552,14 @@
           <a:effectLst/>
           <a:extLst>
             <a:ext uri="{909E8E84-426E-40dd-AFC4-6F175D3DCCD1}">
-              <a14:hiddenFill xmlns="" xmlns:a14="http://schemas.microsoft.com/office/drawing/2010/main">
+              <a14:hiddenFill xmlns:a14="http://schemas.microsoft.com/office/drawing/2010/main" xmlns="">
                 <a:solidFill>
                   <a:schemeClr val="accent1"/>
                 </a:solidFill>
               </a14:hiddenFill>
             </a:ext>
             <a:ext uri="{91240B29-F687-4f45-9708-019B960494DF}">
-              <a14:hiddenLine xmlns="" xmlns:a14="http://schemas.microsoft.com/office/drawing/2010/main" w="9525">
+              <a14:hiddenLine xmlns:a14="http://schemas.microsoft.com/office/drawing/2010/main" xmlns="" w="9525">
                 <a:solidFill>
                   <a:schemeClr val="tx1"/>
                 </a:solidFill>
@@ -16246,7 +16569,7 @@
               </a14:hiddenLine>
             </a:ext>
             <a:ext uri="{AF507438-7753-43e0-B8FC-AC1667EBCBE1}">
-              <a14:hiddenEffects xmlns="" xmlns:a14="http://schemas.microsoft.com/office/drawing/2010/main">
+              <a14:hiddenEffects xmlns:a14="http://schemas.microsoft.com/office/drawing/2010/main" xmlns="">
                 <a:effectLst>
                   <a:outerShdw blurRad="63500" dist="38099" dir="2700000" algn="ctr" rotWithShape="0">
                     <a:schemeClr val="bg2">
@@ -16590,14 +16913,14 @@
           <a:effectLst/>
           <a:extLst>
             <a:ext uri="{909E8E84-426E-40dd-AFC4-6F175D3DCCD1}">
-              <a14:hiddenFill xmlns="" xmlns:a14="http://schemas.microsoft.com/office/drawing/2010/main">
+              <a14:hiddenFill xmlns:a14="http://schemas.microsoft.com/office/drawing/2010/main" xmlns="">
                 <a:solidFill>
                   <a:schemeClr val="accent1"/>
                 </a:solidFill>
               </a14:hiddenFill>
             </a:ext>
             <a:ext uri="{91240B29-F687-4f45-9708-019B960494DF}">
-              <a14:hiddenLine xmlns="" xmlns:a14="http://schemas.microsoft.com/office/drawing/2010/main" w="9525">
+              <a14:hiddenLine xmlns:a14="http://schemas.microsoft.com/office/drawing/2010/main" xmlns="" w="9525">
                 <a:solidFill>
                   <a:schemeClr val="tx1"/>
                 </a:solidFill>
@@ -16607,7 +16930,7 @@
               </a14:hiddenLine>
             </a:ext>
             <a:ext uri="{AF507438-7753-43e0-B8FC-AC1667EBCBE1}">
-              <a14:hiddenEffects xmlns="" xmlns:a14="http://schemas.microsoft.com/office/drawing/2010/main">
+              <a14:hiddenEffects xmlns:a14="http://schemas.microsoft.com/office/drawing/2010/main" xmlns="">
                 <a:effectLst>
                   <a:outerShdw blurRad="63500" dist="38099" dir="2700000" algn="ctr" rotWithShape="0">
                     <a:schemeClr val="bg2">
@@ -16666,14 +16989,14 @@
           <a:effectLst/>
           <a:extLst>
             <a:ext uri="{909E8E84-426E-40dd-AFC4-6F175D3DCCD1}">
-              <a14:hiddenFill xmlns="" xmlns:a14="http://schemas.microsoft.com/office/drawing/2010/main">
+              <a14:hiddenFill xmlns:a14="http://schemas.microsoft.com/office/drawing/2010/main" xmlns="">
                 <a:solidFill>
                   <a:schemeClr val="accent1"/>
                 </a:solidFill>
               </a14:hiddenFill>
             </a:ext>
             <a:ext uri="{91240B29-F687-4f45-9708-019B960494DF}">
-              <a14:hiddenLine xmlns="" xmlns:a14="http://schemas.microsoft.com/office/drawing/2010/main" w="9525">
+              <a14:hiddenLine xmlns:a14="http://schemas.microsoft.com/office/drawing/2010/main" xmlns="" w="9525">
                 <a:solidFill>
                   <a:schemeClr val="tx1"/>
                 </a:solidFill>
@@ -16683,7 +17006,7 @@
               </a14:hiddenLine>
             </a:ext>
             <a:ext uri="{AF507438-7753-43e0-B8FC-AC1667EBCBE1}">
-              <a14:hiddenEffects xmlns="" xmlns:a14="http://schemas.microsoft.com/office/drawing/2010/main">
+              <a14:hiddenEffects xmlns:a14="http://schemas.microsoft.com/office/drawing/2010/main" xmlns="">
                 <a:effectLst>
                   <a:outerShdw blurRad="63500" dist="38099" dir="2700000" algn="ctr" rotWithShape="0">
                     <a:schemeClr val="bg2">
@@ -16750,7 +17073,7 @@
           <a:noFill/>
           <a:extLst>
             <a:ext uri="{909E8E84-426E-40dd-AFC4-6F175D3DCCD1}">
-              <a14:hiddenFill xmlns="" xmlns:a14="http://schemas.microsoft.com/office/drawing/2010/main">
+              <a14:hiddenFill xmlns:a14="http://schemas.microsoft.com/office/drawing/2010/main" xmlns="">
                 <a:solidFill>
                   <a:srgbClr val="FFFFFF"/>
                 </a:solidFill>
@@ -16800,7 +17123,7 @@
             <a:fld id="{7A583AE1-6BA9-459D-8E25-FA2670ABE814}" type="datetime1">
               <a:rPr lang="en-US" altLang="zh-CN" smtClean="0"/>
               <a:pPr/>
-              <a:t>9/7/18</a:t>
+              <a:t>9/10/18</a:t>
             </a:fld>
             <a:endParaRPr lang="en-US"/>
           </a:p>
@@ -17653,7 +17976,15 @@
             </a:pPr>
             <a:r>
               <a:rPr lang="en-US" dirty="0" smtClean="0"/>
-              <a:t>E.g. “$” for bash, “%” for </a:t>
+              <a:t>E.g. </a:t>
+            </a:r>
+            <a:r>
+              <a:rPr lang="en-US" b="1" dirty="0" smtClean="0"/>
+              <a:t>“$”</a:t>
+            </a:r>
+            <a:r>
+              <a:rPr lang="en-US" dirty="0" smtClean="0"/>
+              <a:t> for bash, “%” for </a:t>
             </a:r>
             <a:r>
               <a:rPr lang="en-US" dirty="0" err="1" smtClean="0"/>

--- a/slides/Lecture03.pptx
+++ b/slides/Lecture03.pptx
@@ -5,10 +5,10 @@
     <p:sldMasterId id="2147483648" r:id="rId1"/>
   </p:sldMasterIdLst>
   <p:notesMasterIdLst>
-    <p:notesMasterId r:id="rId39"/>
+    <p:notesMasterId r:id="rId40"/>
   </p:notesMasterIdLst>
   <p:handoutMasterIdLst>
-    <p:handoutMasterId r:id="rId40"/>
+    <p:handoutMasterId r:id="rId41"/>
   </p:handoutMasterIdLst>
   <p:sldIdLst>
     <p:sldId id="257" r:id="rId2"/>
@@ -42,12 +42,13 @@
     <p:sldId id="400" r:id="rId30"/>
     <p:sldId id="413" r:id="rId31"/>
     <p:sldId id="414" r:id="rId32"/>
-    <p:sldId id="401" r:id="rId33"/>
-    <p:sldId id="402" r:id="rId34"/>
-    <p:sldId id="405" r:id="rId35"/>
-    <p:sldId id="406" r:id="rId36"/>
-    <p:sldId id="407" r:id="rId37"/>
-    <p:sldId id="315" r:id="rId38"/>
+    <p:sldId id="415" r:id="rId33"/>
+    <p:sldId id="401" r:id="rId34"/>
+    <p:sldId id="402" r:id="rId35"/>
+    <p:sldId id="405" r:id="rId36"/>
+    <p:sldId id="406" r:id="rId37"/>
+    <p:sldId id="407" r:id="rId38"/>
+    <p:sldId id="315" r:id="rId39"/>
   </p:sldIdLst>
   <p:sldSz cx="9144000" cy="6858000" type="screen4x3"/>
   <p:notesSz cx="6858000" cy="9144000"/>
@@ -1768,9 +1769,81 @@
               <a:defRPr/>
             </a:pPr>
             <a:r>
+              <a:rPr lang="en-US" sz="1200" b="1" i="0" kern="1200" dirty="0" smtClean="0">
+                <a:solidFill>
+                  <a:schemeClr val="tx1"/>
+                </a:solidFill>
+                <a:effectLst/>
+                <a:latin typeface="+mn-lt"/>
+                <a:ea typeface="+mn-ea"/>
+                <a:cs typeface="+mn-cs"/>
+              </a:rPr>
+              <a:t>Difference between Shallow copy and Deep copy</a:t>
+            </a:r>
+          </a:p>
+          <a:p>
+            <a:pPr marL="0" marR="0" indent="0" algn="l" defTabSz="457200" rtl="0" eaLnBrk="1" fontAlgn="auto" latinLnBrk="0" hangingPunct="1">
+              <a:lnSpc>
+                <a:spcPct val="100000"/>
+              </a:lnSpc>
+              <a:spcBef>
+                <a:spcPts val="0"/>
+              </a:spcBef>
+              <a:spcAft>
+                <a:spcPts val="0"/>
+              </a:spcAft>
+              <a:buClrTx/>
+              <a:buSzTx/>
+              <a:buFontTx/>
+              <a:buNone/>
+              <a:tabLst/>
+              <a:defRPr/>
+            </a:pPr>
+            <a:r>
               <a:rPr lang="en-US" dirty="0" smtClean="0"/>
-              <a:t>The model of run time</a:t>
-            </a:r>
+              <a:t>http://net-</a:t>
+            </a:r>
+            <a:r>
+              <a:rPr lang="en-US" dirty="0" err="1" smtClean="0"/>
+              <a:t>informations.com</a:t>
+            </a:r>
+            <a:r>
+              <a:rPr lang="en-US" dirty="0" smtClean="0"/>
+              <a:t>/</a:t>
+            </a:r>
+            <a:r>
+              <a:rPr lang="en-US" dirty="0" err="1" smtClean="0"/>
+              <a:t>faq</a:t>
+            </a:r>
+            <a:r>
+              <a:rPr lang="en-US" dirty="0" smtClean="0"/>
+              <a:t>/net/shallow-deep-</a:t>
+            </a:r>
+            <a:r>
+              <a:rPr lang="en-US" dirty="0" err="1" smtClean="0"/>
+              <a:t>copy.htm</a:t>
+            </a:r>
+            <a:endParaRPr lang="en-US" dirty="0" smtClean="0"/>
+          </a:p>
+          <a:p>
+            <a:pPr marL="0" marR="0" indent="0" algn="l" defTabSz="457200" rtl="0" eaLnBrk="1" fontAlgn="auto" latinLnBrk="0" hangingPunct="1">
+              <a:lnSpc>
+                <a:spcPct val="100000"/>
+              </a:lnSpc>
+              <a:spcBef>
+                <a:spcPts val="0"/>
+              </a:spcBef>
+              <a:spcAft>
+                <a:spcPts val="0"/>
+              </a:spcAft>
+              <a:buClrTx/>
+              <a:buSzTx/>
+              <a:buFontTx/>
+              <a:buNone/>
+              <a:tabLst/>
+              <a:defRPr/>
+            </a:pPr>
+            <a:endParaRPr lang="en-US" dirty="0" smtClean="0"/>
           </a:p>
           <a:p>
             <a:endParaRPr lang="en-US" dirty="0"/>
@@ -1878,6 +1951,235 @@
             </a:r>
           </a:p>
           <a:p>
+            <a:endParaRPr lang="en-US" dirty="0" smtClean="0"/>
+          </a:p>
+          <a:p>
+            <a:endParaRPr lang="en-US" dirty="0" smtClean="0"/>
+          </a:p>
+          <a:p>
+            <a:r>
+              <a:rPr lang="en-US" dirty="0" smtClean="0"/>
+              <a:t>TD: In the second example, after</a:t>
+            </a:r>
+            <a:r>
+              <a:rPr lang="en-US" baseline="0" dirty="0" smtClean="0"/>
+              <a:t> free</a:t>
+            </a:r>
+            <a:r>
+              <a:rPr lang="de-DE" baseline="0" dirty="0" smtClean="0"/>
+              <a:t>(c), c </a:t>
+            </a:r>
+            <a:r>
+              <a:rPr lang="de-DE" baseline="0" dirty="0" err="1" smtClean="0"/>
+              <a:t>can</a:t>
+            </a:r>
+            <a:r>
+              <a:rPr lang="de-DE" baseline="0" dirty="0" smtClean="0"/>
+              <a:t> </a:t>
+            </a:r>
+            <a:r>
+              <a:rPr lang="de-DE" baseline="0" dirty="0" err="1" smtClean="0"/>
+              <a:t>point</a:t>
+            </a:r>
+            <a:r>
+              <a:rPr lang="de-DE" baseline="0" dirty="0" smtClean="0"/>
+              <a:t> </a:t>
+            </a:r>
+            <a:r>
+              <a:rPr lang="de-DE" baseline="0" dirty="0" err="1" smtClean="0"/>
+              <a:t>to</a:t>
+            </a:r>
+            <a:r>
+              <a:rPr lang="de-DE" baseline="0" dirty="0" smtClean="0"/>
+              <a:t> </a:t>
+            </a:r>
+            <a:r>
+              <a:rPr lang="de-DE" baseline="0" dirty="0" err="1" smtClean="0"/>
+              <a:t>any</a:t>
+            </a:r>
+            <a:r>
+              <a:rPr lang="de-DE" baseline="0" dirty="0" smtClean="0"/>
+              <a:t> </a:t>
+            </a:r>
+            <a:r>
+              <a:rPr lang="de-DE" baseline="0" dirty="0" err="1" smtClean="0"/>
+              <a:t>part</a:t>
+            </a:r>
+            <a:r>
+              <a:rPr lang="de-DE" baseline="0" dirty="0" smtClean="0"/>
+              <a:t> </a:t>
+            </a:r>
+            <a:r>
+              <a:rPr lang="de-DE" baseline="0" dirty="0" err="1" smtClean="0"/>
+              <a:t>of</a:t>
+            </a:r>
+            <a:r>
+              <a:rPr lang="de-DE" baseline="0" dirty="0" smtClean="0"/>
+              <a:t> </a:t>
+            </a:r>
+            <a:r>
+              <a:rPr lang="de-DE" baseline="0" dirty="0" err="1" smtClean="0"/>
+              <a:t>the</a:t>
+            </a:r>
+            <a:r>
+              <a:rPr lang="de-DE" baseline="0" dirty="0" smtClean="0"/>
+              <a:t> </a:t>
+            </a:r>
+            <a:r>
+              <a:rPr lang="de-DE" baseline="0" dirty="0" err="1" smtClean="0"/>
+              <a:t>memory</a:t>
+            </a:r>
+            <a:r>
+              <a:rPr lang="de-DE" baseline="0" dirty="0" smtClean="0"/>
+              <a:t> -&gt; </a:t>
+            </a:r>
+            <a:r>
+              <a:rPr lang="de-DE" baseline="0" dirty="0" err="1" smtClean="0"/>
+              <a:t>What</a:t>
+            </a:r>
+            <a:r>
+              <a:rPr lang="de-DE" baseline="0" dirty="0" smtClean="0"/>
+              <a:t> </a:t>
+            </a:r>
+            <a:r>
+              <a:rPr lang="de-DE" baseline="0" dirty="0" err="1" smtClean="0"/>
+              <a:t>if</a:t>
+            </a:r>
+            <a:r>
+              <a:rPr lang="de-DE" baseline="0" dirty="0" smtClean="0"/>
+              <a:t> c </a:t>
+            </a:r>
+            <a:r>
+              <a:rPr lang="de-DE" baseline="0" dirty="0" err="1" smtClean="0"/>
+              <a:t>is</a:t>
+            </a:r>
+            <a:r>
+              <a:rPr lang="de-DE" baseline="0" dirty="0" smtClean="0"/>
+              <a:t> </a:t>
+            </a:r>
+            <a:r>
+              <a:rPr lang="de-DE" baseline="0" dirty="0" err="1" smtClean="0"/>
+              <a:t>pointing</a:t>
+            </a:r>
+            <a:r>
+              <a:rPr lang="de-DE" baseline="0" dirty="0" smtClean="0"/>
+              <a:t> </a:t>
+            </a:r>
+            <a:r>
+              <a:rPr lang="de-DE" baseline="0" dirty="0" err="1" smtClean="0"/>
+              <a:t>to</a:t>
+            </a:r>
+            <a:r>
+              <a:rPr lang="de-DE" baseline="0" dirty="0" smtClean="0"/>
+              <a:t> </a:t>
+            </a:r>
+            <a:r>
+              <a:rPr lang="de-DE" baseline="0" dirty="0" err="1" smtClean="0"/>
+              <a:t>some</a:t>
+            </a:r>
+            <a:r>
+              <a:rPr lang="de-DE" baseline="0" dirty="0" smtClean="0"/>
+              <a:t> </a:t>
+            </a:r>
+            <a:r>
+              <a:rPr lang="de-DE" baseline="0" dirty="0" err="1" smtClean="0"/>
+              <a:t>memor</a:t>
+            </a:r>
+            <a:r>
+              <a:rPr lang="de-DE" baseline="0" dirty="0" smtClean="0"/>
+              <a:t> </a:t>
+            </a:r>
+            <a:r>
+              <a:rPr lang="de-DE" baseline="0" dirty="0" err="1" smtClean="0"/>
+              <a:t>that</a:t>
+            </a:r>
+            <a:r>
+              <a:rPr lang="de-DE" baseline="0" dirty="0" smtClean="0"/>
+              <a:t> </a:t>
+            </a:r>
+            <a:r>
+              <a:rPr lang="de-DE" baseline="0" dirty="0" err="1" smtClean="0"/>
+              <a:t>is</a:t>
+            </a:r>
+            <a:r>
+              <a:rPr lang="de-DE" baseline="0" dirty="0" smtClean="0"/>
+              <a:t> </a:t>
+            </a:r>
+            <a:r>
+              <a:rPr lang="de-DE" baseline="0" dirty="0" err="1" smtClean="0"/>
+              <a:t>currently</a:t>
+            </a:r>
+            <a:r>
+              <a:rPr lang="de-DE" baseline="0" dirty="0" smtClean="0"/>
+              <a:t> </a:t>
+            </a:r>
+            <a:r>
+              <a:rPr lang="de-DE" baseline="0" dirty="0" err="1" smtClean="0"/>
+              <a:t>used</a:t>
+            </a:r>
+            <a:r>
+              <a:rPr lang="de-DE" baseline="0" dirty="0" smtClean="0"/>
+              <a:t> </a:t>
+            </a:r>
+            <a:r>
+              <a:rPr lang="de-DE" baseline="0" dirty="0" err="1" smtClean="0"/>
+              <a:t>by</a:t>
+            </a:r>
+            <a:r>
+              <a:rPr lang="de-DE" baseline="0" dirty="0" smtClean="0"/>
+              <a:t> OS </a:t>
+            </a:r>
+            <a:r>
+              <a:rPr lang="de-DE" baseline="0" dirty="0" err="1" smtClean="0"/>
+              <a:t>or</a:t>
+            </a:r>
+            <a:r>
+              <a:rPr lang="de-DE" baseline="0" dirty="0" smtClean="0"/>
+              <a:t> </a:t>
+            </a:r>
+            <a:r>
+              <a:rPr lang="de-DE" baseline="0" dirty="0" err="1" smtClean="0"/>
+              <a:t>program</a:t>
+            </a:r>
+            <a:r>
+              <a:rPr lang="de-DE" baseline="0" dirty="0" smtClean="0"/>
+              <a:t> -&gt; *c = 3 </a:t>
+            </a:r>
+            <a:r>
+              <a:rPr lang="de-DE" baseline="0" dirty="0" err="1" smtClean="0"/>
+              <a:t>could</a:t>
+            </a:r>
+            <a:r>
+              <a:rPr lang="de-DE" baseline="0" dirty="0" smtClean="0"/>
+              <a:t> </a:t>
+            </a:r>
+            <a:r>
+              <a:rPr lang="de-DE" baseline="0" dirty="0" err="1" smtClean="0"/>
+              <a:t>create</a:t>
+            </a:r>
+            <a:r>
+              <a:rPr lang="de-DE" baseline="0" dirty="0" smtClean="0"/>
+              <a:t> a </a:t>
+            </a:r>
+            <a:r>
+              <a:rPr lang="de-DE" baseline="0" dirty="0" err="1" smtClean="0"/>
+              <a:t>problem</a:t>
+            </a:r>
+            <a:endParaRPr lang="de-DE" baseline="0" dirty="0" smtClean="0"/>
+          </a:p>
+          <a:p>
+            <a:r>
+              <a:rPr lang="de-DE" dirty="0" smtClean="0"/>
+              <a:t>http://</a:t>
+            </a:r>
+            <a:r>
+              <a:rPr lang="de-DE" dirty="0" err="1" smtClean="0"/>
+              <a:t>www.acodersjourney.com</a:t>
+            </a:r>
+            <a:r>
+              <a:rPr lang="de-DE" dirty="0" smtClean="0"/>
+              <a:t>/2018/05/top-20-c-pointer-mistakes/</a:t>
+            </a:r>
             <a:endParaRPr lang="en-US" dirty="0"/>
           </a:p>
         </p:txBody>
@@ -2042,40 +2344,70 @@
       </p:grpSpPr>
       <p:sp>
         <p:nvSpPr>
-          <p:cNvPr id="97282" name="Rectangle 2"/>
-          <p:cNvSpPr>
-            <a:spLocks noGrp="1" noRot="1" noChangeAspect="1" noChangeArrowheads="1" noTextEdit="1"/>
+          <p:cNvPr id="2" name="Slide Image Placeholder 1"/>
+          <p:cNvSpPr>
+            <a:spLocks noGrp="1" noRot="1" noChangeAspect="1"/>
           </p:cNvSpPr>
           <p:nvPr>
             <p:ph type="sldImg"/>
           </p:nvPr>
         </p:nvSpPr>
-        <p:spPr>
-          <a:ln cap="flat"/>
-          <a:extLst>
-            <a:ext uri="{FAA26D3D-D897-4be2-8F04-BA451C77F1D7}">
-              <ma14:placeholderFlag xmlns:ma14="http://schemas.microsoft.com/office/mac/drawingml/2011/main" val="1"/>
-            </a:ext>
-          </a:extLst>
-        </p:spPr>
-      </p:sp>
-      <p:sp>
-        <p:nvSpPr>
-          <p:cNvPr id="97283" name="Rectangle 3"/>
-          <p:cNvSpPr>
-            <a:spLocks noGrp="1" noChangeArrowheads="1"/>
+        <p:spPr/>
+      </p:sp>
+      <p:sp>
+        <p:nvSpPr>
+          <p:cNvPr id="3" name="Notes Placeholder 2"/>
+          <p:cNvSpPr>
+            <a:spLocks noGrp="1"/>
           </p:cNvSpPr>
           <p:nvPr>
             <p:ph type="body" idx="1"/>
           </p:nvPr>
         </p:nvSpPr>
-        <p:spPr>
-          <a:ln/>
-        </p:spPr>
+        <p:spPr/>
         <p:txBody>
           <a:bodyPr/>
           <a:lstStyle/>
           <a:p>
+            <a:r>
+              <a:rPr lang="en-US" dirty="0" smtClean="0"/>
+              <a:t>Nice info</a:t>
+            </a:r>
+            <a:r>
+              <a:rPr lang="en-US" baseline="0" dirty="0" smtClean="0"/>
+              <a:t> about Virtual Memory mapping: https://</a:t>
+            </a:r>
+            <a:r>
+              <a:rPr lang="en-US" baseline="0" dirty="0" err="1" smtClean="0"/>
+              <a:t>gabrieletolomei.wordpress.com</a:t>
+            </a:r>
+            <a:r>
+              <a:rPr lang="en-US" baseline="0" dirty="0" smtClean="0"/>
+              <a:t>/miscellanea/operating-systems/virtual-memory-paging-and-swapping/</a:t>
+            </a:r>
+            <a:endParaRPr lang="en-US" dirty="0"/>
+          </a:p>
+        </p:txBody>
+      </p:sp>
+      <p:sp>
+        <p:nvSpPr>
+          <p:cNvPr id="4" name="Slide Number Placeholder 3"/>
+          <p:cNvSpPr>
+            <a:spLocks noGrp="1"/>
+          </p:cNvSpPr>
+          <p:nvPr>
+            <p:ph type="sldNum" sz="quarter" idx="10"/>
+          </p:nvPr>
+        </p:nvSpPr>
+        <p:spPr/>
+        <p:txBody>
+          <a:bodyPr/>
+          <a:lstStyle/>
+          <a:p>
+            <a:fld id="{700CF522-F05E-8946-A5FF-DB9FEEF2D366}" type="slidenum">
+              <a:rPr lang="en-US" smtClean="0"/>
+              <a:t>32</a:t>
+            </a:fld>
             <a:endParaRPr lang="en-US"/>
           </a:p>
         </p:txBody>
@@ -2083,7 +2415,7 @@
     </p:spTree>
     <p:extLst>
       <p:ext uri="{BB962C8B-B14F-4D97-AF65-F5344CB8AC3E}">
-        <p14:creationId xmlns:p14="http://schemas.microsoft.com/office/powerpoint/2010/main" val="1792378348"/>
+        <p14:creationId xmlns:p14="http://schemas.microsoft.com/office/powerpoint/2010/main" val="814784310"/>
       </p:ext>
     </p:extLst>
   </p:cSld>
@@ -2246,12 +2578,31 @@
       </p:grpSpPr>
       <p:sp>
         <p:nvSpPr>
-          <p:cNvPr id="7" name="Rectangle 7"/>
+          <p:cNvPr id="97282" name="Rectangle 2"/>
+          <p:cNvSpPr>
+            <a:spLocks noGrp="1" noRot="1" noChangeAspect="1" noChangeArrowheads="1" noTextEdit="1"/>
+          </p:cNvSpPr>
+          <p:nvPr>
+            <p:ph type="sldImg"/>
+          </p:nvPr>
+        </p:nvSpPr>
+        <p:spPr>
+          <a:ln cap="flat"/>
+          <a:extLst>
+            <a:ext uri="{FAA26D3D-D897-4be2-8F04-BA451C77F1D7}">
+              <ma14:placeholderFlag xmlns:ma14="http://schemas.microsoft.com/office/mac/drawingml/2011/main" val="1"/>
+            </a:ext>
+          </a:extLst>
+        </p:spPr>
+      </p:sp>
+      <p:sp>
+        <p:nvSpPr>
+          <p:cNvPr id="97283" name="Rectangle 3"/>
           <p:cNvSpPr>
             <a:spLocks noGrp="1" noChangeArrowheads="1"/>
           </p:cNvSpPr>
           <p:nvPr>
-            <p:ph type="sldNum" sz="quarter" idx="5"/>
+            <p:ph type="body" idx="1"/>
           </p:nvPr>
         </p:nvSpPr>
         <p:spPr>
@@ -2261,52 +2612,14 @@
           <a:bodyPr/>
           <a:lstStyle/>
           <a:p>
-            <a:fld id="{EEDAA0E5-EBCA-4233-B181-312910E0BFDF}" type="slidenum">
-              <a:rPr lang="en-US" altLang="zh-CN"/>
-              <a:pPr/>
-              <a:t>33</a:t>
-            </a:fld>
-            <a:endParaRPr lang="en-US" altLang="zh-CN"/>
-          </a:p>
-        </p:txBody>
-      </p:sp>
-      <p:sp>
-        <p:nvSpPr>
-          <p:cNvPr id="8194" name="Rectangle 2"/>
-          <p:cNvSpPr>
-            <a:spLocks noGrp="1" noRot="1" noChangeAspect="1" noChangeArrowheads="1" noTextEdit="1"/>
-          </p:cNvSpPr>
-          <p:nvPr>
-            <p:ph type="sldImg"/>
-          </p:nvPr>
-        </p:nvSpPr>
-        <p:spPr>
-          <a:ln/>
-        </p:spPr>
-      </p:sp>
-      <p:sp>
-        <p:nvSpPr>
-          <p:cNvPr id="8195" name="Rectangle 3"/>
-          <p:cNvSpPr>
-            <a:spLocks noGrp="1" noChangeArrowheads="1"/>
-          </p:cNvSpPr>
-          <p:nvPr>
-            <p:ph type="body" idx="1"/>
-          </p:nvPr>
-        </p:nvSpPr>
-        <p:spPr/>
-        <p:txBody>
-          <a:bodyPr/>
-          <a:lstStyle/>
-          <a:p>
-            <a:endParaRPr lang="zh-CN" altLang="zh-CN"/>
+            <a:endParaRPr lang="en-US"/>
           </a:p>
         </p:txBody>
       </p:sp>
     </p:spTree>
     <p:extLst>
       <p:ext uri="{BB962C8B-B14F-4D97-AF65-F5344CB8AC3E}">
-        <p14:creationId xmlns:p14="http://schemas.microsoft.com/office/powerpoint/2010/main" val="883952151"/>
+        <p14:creationId xmlns:p14="http://schemas.microsoft.com/office/powerpoint/2010/main" val="1792378348"/>
       </p:ext>
     </p:extLst>
   </p:cSld>
@@ -2335,70 +2648,67 @@
       </p:grpSpPr>
       <p:sp>
         <p:nvSpPr>
-          <p:cNvPr id="2" name="Slide Image Placeholder 1"/>
-          <p:cNvSpPr>
-            <a:spLocks noGrp="1" noRot="1" noChangeAspect="1"/>
-          </p:cNvSpPr>
-          <p:nvPr>
-            <p:ph type="sldImg"/>
-          </p:nvPr>
-        </p:nvSpPr>
-        <p:spPr/>
-      </p:sp>
-      <p:sp>
-        <p:nvSpPr>
-          <p:cNvPr id="3" name="Notes Placeholder 2"/>
-          <p:cNvSpPr>
-            <a:spLocks noGrp="1"/>
-          </p:cNvSpPr>
-          <p:nvPr>
-            <p:ph type="body" idx="1"/>
-          </p:nvPr>
-        </p:nvSpPr>
-        <p:spPr/>
+          <p:cNvPr id="7" name="Rectangle 7"/>
+          <p:cNvSpPr>
+            <a:spLocks noGrp="1" noChangeArrowheads="1"/>
+          </p:cNvSpPr>
+          <p:nvPr>
+            <p:ph type="sldNum" sz="quarter" idx="5"/>
+          </p:nvPr>
+        </p:nvSpPr>
+        <p:spPr>
+          <a:ln/>
+        </p:spPr>
         <p:txBody>
           <a:bodyPr/>
           <a:lstStyle/>
           <a:p>
-            <a:r>
-              <a:rPr lang="en-US" dirty="0" smtClean="0"/>
-              <a:t>Example Fibonacci</a:t>
-            </a:r>
-            <a:r>
-              <a:rPr lang="en-US" baseline="0" dirty="0" smtClean="0"/>
-              <a:t> + Factorial</a:t>
-            </a:r>
-            <a:endParaRPr lang="en-US" dirty="0"/>
-          </a:p>
-        </p:txBody>
-      </p:sp>
-      <p:sp>
-        <p:nvSpPr>
-          <p:cNvPr id="4" name="Slide Number Placeholder 3"/>
-          <p:cNvSpPr>
-            <a:spLocks noGrp="1"/>
-          </p:cNvSpPr>
-          <p:nvPr>
-            <p:ph type="sldNum" sz="quarter" idx="10"/>
-          </p:nvPr>
-        </p:nvSpPr>
-        <p:spPr/>
-        <p:txBody>
-          <a:bodyPr/>
-          <a:lstStyle/>
-          <a:p>
-            <a:fld id="{700CF522-F05E-8946-A5FF-DB9FEEF2D366}" type="slidenum">
-              <a:rPr lang="en-US" smtClean="0"/>
+            <a:fld id="{EEDAA0E5-EBCA-4233-B181-312910E0BFDF}" type="slidenum">
+              <a:rPr lang="en-US" altLang="zh-CN"/>
+              <a:pPr/>
               <a:t>34</a:t>
             </a:fld>
-            <a:endParaRPr lang="en-US"/>
+            <a:endParaRPr lang="en-US" altLang="zh-CN"/>
+          </a:p>
+        </p:txBody>
+      </p:sp>
+      <p:sp>
+        <p:nvSpPr>
+          <p:cNvPr id="8194" name="Rectangle 2"/>
+          <p:cNvSpPr>
+            <a:spLocks noGrp="1" noRot="1" noChangeAspect="1" noChangeArrowheads="1" noTextEdit="1"/>
+          </p:cNvSpPr>
+          <p:nvPr>
+            <p:ph type="sldImg"/>
+          </p:nvPr>
+        </p:nvSpPr>
+        <p:spPr>
+          <a:ln/>
+        </p:spPr>
+      </p:sp>
+      <p:sp>
+        <p:nvSpPr>
+          <p:cNvPr id="8195" name="Rectangle 3"/>
+          <p:cNvSpPr>
+            <a:spLocks noGrp="1" noChangeArrowheads="1"/>
+          </p:cNvSpPr>
+          <p:nvPr>
+            <p:ph type="body" idx="1"/>
+          </p:nvPr>
+        </p:nvSpPr>
+        <p:spPr/>
+        <p:txBody>
+          <a:bodyPr/>
+          <a:lstStyle/>
+          <a:p>
+            <a:endParaRPr lang="zh-CN" altLang="zh-CN"/>
           </a:p>
         </p:txBody>
       </p:sp>
     </p:spTree>
     <p:extLst>
       <p:ext uri="{BB962C8B-B14F-4D97-AF65-F5344CB8AC3E}">
-        <p14:creationId xmlns:p14="http://schemas.microsoft.com/office/powerpoint/2010/main" val="226739767"/>
+        <p14:creationId xmlns:p14="http://schemas.microsoft.com/office/powerpoint/2010/main" val="883952151"/>
       </p:ext>
     </p:extLst>
   </p:cSld>
@@ -2427,6 +2737,98 @@
       </p:grpSpPr>
       <p:sp>
         <p:nvSpPr>
+          <p:cNvPr id="2" name="Slide Image Placeholder 1"/>
+          <p:cNvSpPr>
+            <a:spLocks noGrp="1" noRot="1" noChangeAspect="1"/>
+          </p:cNvSpPr>
+          <p:nvPr>
+            <p:ph type="sldImg"/>
+          </p:nvPr>
+        </p:nvSpPr>
+        <p:spPr/>
+      </p:sp>
+      <p:sp>
+        <p:nvSpPr>
+          <p:cNvPr id="3" name="Notes Placeholder 2"/>
+          <p:cNvSpPr>
+            <a:spLocks noGrp="1"/>
+          </p:cNvSpPr>
+          <p:nvPr>
+            <p:ph type="body" idx="1"/>
+          </p:nvPr>
+        </p:nvSpPr>
+        <p:spPr/>
+        <p:txBody>
+          <a:bodyPr/>
+          <a:lstStyle/>
+          <a:p>
+            <a:r>
+              <a:rPr lang="en-US" dirty="0" smtClean="0"/>
+              <a:t>Example Fibonacci</a:t>
+            </a:r>
+            <a:r>
+              <a:rPr lang="en-US" baseline="0" dirty="0" smtClean="0"/>
+              <a:t> + Factorial</a:t>
+            </a:r>
+            <a:endParaRPr lang="en-US" dirty="0"/>
+          </a:p>
+        </p:txBody>
+      </p:sp>
+      <p:sp>
+        <p:nvSpPr>
+          <p:cNvPr id="4" name="Slide Number Placeholder 3"/>
+          <p:cNvSpPr>
+            <a:spLocks noGrp="1"/>
+          </p:cNvSpPr>
+          <p:nvPr>
+            <p:ph type="sldNum" sz="quarter" idx="10"/>
+          </p:nvPr>
+        </p:nvSpPr>
+        <p:spPr/>
+        <p:txBody>
+          <a:bodyPr/>
+          <a:lstStyle/>
+          <a:p>
+            <a:fld id="{700CF522-F05E-8946-A5FF-DB9FEEF2D366}" type="slidenum">
+              <a:rPr lang="en-US" smtClean="0"/>
+              <a:t>35</a:t>
+            </a:fld>
+            <a:endParaRPr lang="en-US"/>
+          </a:p>
+        </p:txBody>
+      </p:sp>
+    </p:spTree>
+    <p:extLst>
+      <p:ext uri="{BB962C8B-B14F-4D97-AF65-F5344CB8AC3E}">
+        <p14:creationId xmlns:p14="http://schemas.microsoft.com/office/powerpoint/2010/main" val="226739767"/>
+      </p:ext>
+    </p:extLst>
+  </p:cSld>
+  <p:clrMapOvr>
+    <a:masterClrMapping/>
+  </p:clrMapOvr>
+</p:notes>
+</file>
+
+<file path=ppt/notesSlides/notesSlide23.xml><?xml version="1.0" encoding="utf-8"?>
+<p:notes xmlns:a="http://schemas.openxmlformats.org/drawingml/2006/main" xmlns:r="http://schemas.openxmlformats.org/officeDocument/2006/relationships" xmlns:p="http://schemas.openxmlformats.org/presentationml/2006/main">
+  <p:cSld>
+    <p:spTree>
+      <p:nvGrpSpPr>
+        <p:cNvPr id="1" name=""/>
+        <p:cNvGrpSpPr/>
+        <p:nvPr/>
+      </p:nvGrpSpPr>
+      <p:grpSpPr>
+        <a:xfrm>
+          <a:off x="0" y="0"/>
+          <a:ext cx="0" cy="0"/>
+          <a:chOff x="0" y="0"/>
+          <a:chExt cx="0" cy="0"/>
+        </a:xfrm>
+      </p:grpSpPr>
+      <p:sp>
+        <p:nvSpPr>
           <p:cNvPr id="7" name="Rectangle 7"/>
           <p:cNvSpPr>
             <a:spLocks noGrp="1" noChangeArrowheads="1"/>
@@ -2445,7 +2847,7 @@
             <a:fld id="{EEDAA0E5-EBCA-4233-B181-312910E0BFDF}" type="slidenum">
               <a:rPr lang="en-US" altLang="zh-CN"/>
               <a:pPr/>
-              <a:t>35</a:t>
+              <a:t>36</a:t>
             </a:fld>
             <a:endParaRPr lang="en-US" altLang="zh-CN"/>
           </a:p>
@@ -12735,42 +13137,21 @@
                 <a:latin typeface="Calibri" charset="0"/>
                 <a:cs typeface="Calibri" charset="0"/>
               </a:rPr>
-              <a:t>’ is different from the </a:t>
-            </a:r>
-            <a:r>
-              <a:rPr lang="en-US" smtClean="0">
-                <a:latin typeface="Calibri" charset="0"/>
-                <a:cs typeface="Calibri" charset="0"/>
-              </a:rPr>
-              <a:t>first </a:t>
-            </a:r>
-            <a:r>
-              <a:rPr lang="en-US" smtClean="0">
+              <a:t>’ is different from the first </a:t>
+            </a:r>
+            <a:r>
+              <a:rPr lang="en-US" dirty="0" smtClean="0">
                 <a:latin typeface="Courier New" charset="0"/>
                 <a:cs typeface="Courier New" charset="0"/>
               </a:rPr>
               <a:t>$ </a:t>
-            </a:r>
-            <a:r>
-              <a:rPr lang="en-US" smtClean="0">
-                <a:latin typeface="Calibri" charset="0"/>
-                <a:cs typeface="Calibri" charset="0"/>
-              </a:rPr>
-              <a:t>the </a:t>
             </a:r>
             <a:r>
               <a:rPr lang="en-US" dirty="0" smtClean="0">
                 <a:latin typeface="Calibri" charset="0"/>
                 <a:cs typeface="Calibri" charset="0"/>
               </a:rPr>
-              <a:t>beginning of </a:t>
-            </a:r>
-            <a:r>
-              <a:rPr lang="en-US" smtClean="0">
-                <a:latin typeface="Calibri" charset="0"/>
-                <a:cs typeface="Calibri" charset="0"/>
-              </a:rPr>
-              <a:t>command line</a:t>
+              <a:t>the beginning of command line</a:t>
             </a:r>
             <a:endParaRPr lang="en-US" dirty="0">
               <a:latin typeface="Calibri" charset="0"/>
@@ -14650,6 +15031,156 @@
       </p:grpSpPr>
       <p:sp>
         <p:nvSpPr>
+          <p:cNvPr id="3" name="Slide Number Placeholder 2"/>
+          <p:cNvSpPr>
+            <a:spLocks noGrp="1"/>
+          </p:cNvSpPr>
+          <p:nvPr>
+            <p:ph type="sldNum" sz="quarter" idx="12"/>
+          </p:nvPr>
+        </p:nvSpPr>
+        <p:spPr/>
+        <p:txBody>
+          <a:bodyPr/>
+          <a:lstStyle/>
+          <a:p>
+            <a:fld id="{D2DB48A1-B5F2-D944-9563-BD7B04ADBA09}" type="slidenum">
+              <a:rPr lang="en-US" smtClean="0"/>
+              <a:t>32</a:t>
+            </a:fld>
+            <a:endParaRPr lang="en-US"/>
+          </a:p>
+        </p:txBody>
+      </p:sp>
+      <p:sp>
+        <p:nvSpPr>
+          <p:cNvPr id="4" name="Title 3"/>
+          <p:cNvSpPr>
+            <a:spLocks noGrp="1"/>
+          </p:cNvSpPr>
+          <p:nvPr>
+            <p:ph type="title"/>
+          </p:nvPr>
+        </p:nvSpPr>
+        <p:spPr>
+          <a:xfrm>
+            <a:off x="204952" y="0"/>
+            <a:ext cx="8229600" cy="621526"/>
+          </a:xfrm>
+        </p:spPr>
+        <p:txBody>
+          <a:bodyPr/>
+          <a:lstStyle/>
+          <a:p>
+            <a:r>
+              <a:rPr lang="en-US" dirty="0" smtClean="0"/>
+              <a:t>New slide</a:t>
+            </a:r>
+            <a:br>
+              <a:rPr lang="en-US" dirty="0" smtClean="0"/>
+            </a:br>
+            <a:endParaRPr lang="en-US" dirty="0"/>
+          </a:p>
+        </p:txBody>
+      </p:sp>
+      <p:pic>
+        <p:nvPicPr>
+          <p:cNvPr id="5" name="Picture 4"/>
+          <p:cNvPicPr>
+            <a:picLocks noChangeAspect="1"/>
+          </p:cNvPicPr>
+          <p:nvPr/>
+        </p:nvPicPr>
+        <p:blipFill>
+          <a:blip r:embed="rId3">
+            <a:extLst>
+              <a:ext uri="{28A0092B-C50C-407E-A947-70E740481C1C}">
+                <a14:useLocalDpi xmlns:a14="http://schemas.microsoft.com/office/drawing/2010/main" val="0"/>
+              </a:ext>
+            </a:extLst>
+          </a:blip>
+          <a:stretch>
+            <a:fillRect/>
+          </a:stretch>
+        </p:blipFill>
+        <p:spPr>
+          <a:xfrm>
+            <a:off x="1617429" y="1061543"/>
+            <a:ext cx="5404645" cy="5134413"/>
+          </a:xfrm>
+          <a:prstGeom prst="rect">
+            <a:avLst/>
+          </a:prstGeom>
+        </p:spPr>
+      </p:pic>
+      <p:sp>
+        <p:nvSpPr>
+          <p:cNvPr id="6" name="Rectangle 5"/>
+          <p:cNvSpPr/>
+          <p:nvPr/>
+        </p:nvSpPr>
+        <p:spPr>
+          <a:xfrm>
+            <a:off x="700102" y="6413698"/>
+            <a:ext cx="9527627" cy="307777"/>
+          </a:xfrm>
+          <a:prstGeom prst="rect">
+            <a:avLst/>
+          </a:prstGeom>
+        </p:spPr>
+        <p:txBody>
+          <a:bodyPr wrap="square">
+            <a:spAutoFit/>
+          </a:bodyPr>
+          <a:lstStyle/>
+          <a:p>
+            <a:r>
+              <a:rPr lang="en-US" sz="1400" dirty="0"/>
+              <a:t>https://</a:t>
+            </a:r>
+            <a:r>
+              <a:rPr lang="en-US" sz="1400" dirty="0" err="1"/>
+              <a:t>gabrieletolomei.wordpress.com</a:t>
+            </a:r>
+            <a:r>
+              <a:rPr lang="en-US" sz="1400" dirty="0"/>
+              <a:t>/miscellanea/operating-systems/in-memory-layout/</a:t>
+            </a:r>
+          </a:p>
+        </p:txBody>
+      </p:sp>
+    </p:spTree>
+    <p:extLst>
+      <p:ext uri="{BB962C8B-B14F-4D97-AF65-F5344CB8AC3E}">
+        <p14:creationId xmlns:p14="http://schemas.microsoft.com/office/powerpoint/2010/main" val="1246794732"/>
+      </p:ext>
+    </p:extLst>
+  </p:cSld>
+  <p:clrMapOvr>
+    <a:masterClrMapping/>
+  </p:clrMapOvr>
+</p:sld>
+</file>
+
+<file path=ppt/slides/slide33.xml><?xml version="1.0" encoding="utf-8"?>
+<p:sld xmlns:a="http://schemas.openxmlformats.org/drawingml/2006/main" xmlns:r="http://schemas.openxmlformats.org/officeDocument/2006/relationships" xmlns:p="http://schemas.openxmlformats.org/presentationml/2006/main">
+  <p:cSld>
+    <p:spTree>
+      <p:nvGrpSpPr>
+        <p:cNvPr id="1" name=""/>
+        <p:cNvGrpSpPr/>
+        <p:nvPr/>
+      </p:nvGrpSpPr>
+      <p:grpSpPr>
+        <a:xfrm>
+          <a:off x="0" y="0"/>
+          <a:ext cx="0" cy="0"/>
+          <a:chOff x="0" y="0"/>
+          <a:chExt cx="0" cy="0"/>
+        </a:xfrm>
+      </p:grpSpPr>
+      <p:sp>
+        <p:nvSpPr>
           <p:cNvPr id="96259" name="Rectangle 3"/>
           <p:cNvSpPr>
             <a:spLocks noChangeArrowheads="1"/>
@@ -14783,7 +15314,7 @@
             <a:fld id="{E5B45921-0740-1F4C-BF3B-15FC532FF260}" type="slidenum">
               <a:rPr lang="en-US" smtClean="0"/>
               <a:pPr/>
-              <a:t>32</a:t>
+              <a:t>33</a:t>
             </a:fld>
             <a:endParaRPr lang="en-US"/>
           </a:p>
@@ -14844,7 +15375,7 @@
 </p:sld>
 </file>
 
-<file path=ppt/slides/slide33.xml><?xml version="1.0" encoding="utf-8"?>
+<file path=ppt/slides/slide34.xml><?xml version="1.0" encoding="utf-8"?>
 <p:sld xmlns:a="http://schemas.openxmlformats.org/drawingml/2006/main" xmlns:r="http://schemas.openxmlformats.org/officeDocument/2006/relationships" xmlns:p="http://schemas.openxmlformats.org/presentationml/2006/main">
   <p:cSld>
     <p:spTree>
@@ -14879,7 +15410,7 @@
             <a:fld id="{D2DB48A1-B5F2-D944-9563-BD7B04ADBA09}" type="slidenum">
               <a:rPr lang="en-US" smtClean="0"/>
               <a:pPr/>
-              <a:t>33</a:t>
+              <a:t>34</a:t>
             </a:fld>
             <a:endParaRPr lang="en-US"/>
           </a:p>
@@ -15118,7 +15649,7 @@
 </p:sld>
 </file>
 
-<file path=ppt/slides/slide34.xml><?xml version="1.0" encoding="utf-8"?>
+<file path=ppt/slides/slide35.xml><?xml version="1.0" encoding="utf-8"?>
 <p:sld xmlns:a="http://schemas.openxmlformats.org/drawingml/2006/main" xmlns:r="http://schemas.openxmlformats.org/officeDocument/2006/relationships" xmlns:p="http://schemas.openxmlformats.org/presentationml/2006/main">
   <p:cSld>
     <p:spTree>
@@ -15243,7 +15774,7 @@
           <a:p>
             <a:fld id="{D2DB48A1-B5F2-D944-9563-BD7B04ADBA09}" type="slidenum">
               <a:rPr lang="en-US" smtClean="0"/>
-              <a:t>34</a:t>
+              <a:t>35</a:t>
             </a:fld>
             <a:endParaRPr lang="en-US"/>
           </a:p>
@@ -15295,7 +15826,7 @@
 </p:sld>
 </file>
 
-<file path=ppt/slides/slide35.xml><?xml version="1.0" encoding="utf-8"?>
+<file path=ppt/slides/slide36.xml><?xml version="1.0" encoding="utf-8"?>
 <p:sld xmlns:a="http://schemas.openxmlformats.org/drawingml/2006/main" xmlns:r="http://schemas.openxmlformats.org/officeDocument/2006/relationships" xmlns:p="http://schemas.openxmlformats.org/presentationml/2006/main">
   <p:cSld>
     <p:spTree>
@@ -15330,7 +15861,7 @@
             <a:fld id="{D2DB48A1-B5F2-D944-9563-BD7B04ADBA09}" type="slidenum">
               <a:rPr lang="en-US" smtClean="0"/>
               <a:pPr/>
-              <a:t>35</a:t>
+              <a:t>36</a:t>
             </a:fld>
             <a:endParaRPr lang="en-US" dirty="0"/>
           </a:p>
@@ -15581,7 +16112,7 @@
 </p:sld>
 </file>
 
-<file path=ppt/slides/slide36.xml><?xml version="1.0" encoding="utf-8"?>
+<file path=ppt/slides/slide37.xml><?xml version="1.0" encoding="utf-8"?>
 <p:sld xmlns:a="http://schemas.openxmlformats.org/drawingml/2006/main" xmlns:r="http://schemas.openxmlformats.org/officeDocument/2006/relationships" xmlns:p="http://schemas.openxmlformats.org/presentationml/2006/main">
   <p:cSld>
     <p:spTree>
@@ -15706,7 +16237,7 @@
           <a:p>
             <a:fld id="{D2DB48A1-B5F2-D944-9563-BD7B04ADBA09}" type="slidenum">
               <a:rPr lang="en-US" smtClean="0"/>
-              <a:t>36</a:t>
+              <a:t>37</a:t>
             </a:fld>
             <a:endParaRPr lang="en-US"/>
           </a:p>
@@ -15830,7 +16361,7 @@
 </p:sld>
 </file>
 
-<file path=ppt/slides/slide37.xml><?xml version="1.0" encoding="utf-8"?>
+<file path=ppt/slides/slide38.xml><?xml version="1.0" encoding="utf-8"?>
 <p:sld xmlns:a="http://schemas.openxmlformats.org/drawingml/2006/main" xmlns:r="http://schemas.openxmlformats.org/officeDocument/2006/relationships" xmlns:p="http://schemas.openxmlformats.org/presentationml/2006/main">
   <p:cSld>
     <p:spTree>
@@ -15901,7 +16432,7 @@
           <a:p>
             <a:fld id="{D2DB48A1-B5F2-D944-9563-BD7B04ADBA09}" type="slidenum">
               <a:rPr lang="en-US" smtClean="0"/>
-              <a:t>37</a:t>
+              <a:t>38</a:t>
             </a:fld>
             <a:endParaRPr lang="en-US"/>
           </a:p>

--- a/slides/Lecture03.pptx
+++ b/slides/Lecture03.pptx
@@ -247,7 +247,7 @@
           <a:p>
             <a:fld id="{9B76BEED-DF9C-1A44-AA9A-E917AAEDB26F}" type="datetimeFigureOut">
               <a:rPr lang="en-US" smtClean="0"/>
-              <a:t>9/10/18</a:t>
+              <a:t>9/11/18</a:t>
             </a:fld>
             <a:endParaRPr lang="en-US"/>
           </a:p>
@@ -413,7 +413,7 @@
           <a:p>
             <a:fld id="{21727DB9-44F7-CE42-9AB8-318282F70AED}" type="datetimeFigureOut">
               <a:rPr lang="en-US" smtClean="0"/>
-              <a:t>9/10/18</a:t>
+              <a:t>9/11/18</a:t>
             </a:fld>
             <a:endParaRPr lang="en-US"/>
           </a:p>
@@ -1218,7 +1218,7 @@
               <ma14:placeholderFlag xmlns:ma14="http://schemas.microsoft.com/office/mac/drawingml/2011/main" val="1"/>
             </a:ext>
             <a:ext uri="{909E8E84-426E-40dd-AFC4-6F175D3DCCD1}">
-              <a14:hiddenFill xmlns:a14="http://schemas.microsoft.com/office/drawing/2010/main" xmlns="">
+              <a14:hiddenFill xmlns="" xmlns:a14="http://schemas.microsoft.com/office/drawing/2010/main">
                 <a:solidFill>
                   <a:srgbClr val="FFFFFF"/>
                 </a:solidFill>
@@ -1244,14 +1244,14 @@
               <ma14:placeholderFlag xmlns:ma14="http://schemas.microsoft.com/office/mac/drawingml/2011/main" val="1"/>
             </a:ext>
             <a:ext uri="{909E8E84-426E-40dd-AFC4-6F175D3DCCD1}">
-              <a14:hiddenFill xmlns:a14="http://schemas.microsoft.com/office/drawing/2010/main" xmlns="">
+              <a14:hiddenFill xmlns="" xmlns:a14="http://schemas.microsoft.com/office/drawing/2010/main">
                 <a:solidFill>
                   <a:srgbClr val="FFFFFF"/>
                 </a:solidFill>
               </a14:hiddenFill>
             </a:ext>
             <a:ext uri="{91240B29-F687-4f45-9708-019B960494DF}">
-              <a14:hiddenLine xmlns:a14="http://schemas.microsoft.com/office/drawing/2010/main" xmlns="" w="9525">
+              <a14:hiddenLine xmlns="" xmlns:a14="http://schemas.microsoft.com/office/drawing/2010/main" w="9525">
                 <a:solidFill>
                   <a:srgbClr val="000000"/>
                 </a:solidFill>
@@ -1296,14 +1296,14 @@
           <a:noFill/>
           <a:extLst>
             <a:ext uri="{909E8E84-426E-40dd-AFC4-6F175D3DCCD1}">
-              <a14:hiddenFill xmlns:a14="http://schemas.microsoft.com/office/drawing/2010/main" xmlns="">
+              <a14:hiddenFill xmlns="" xmlns:a14="http://schemas.microsoft.com/office/drawing/2010/main">
                 <a:solidFill>
                   <a:srgbClr val="FFFFFF"/>
                 </a:solidFill>
               </a14:hiddenFill>
             </a:ext>
             <a:ext uri="{91240B29-F687-4f45-9708-019B960494DF}">
-              <a14:hiddenLine xmlns:a14="http://schemas.microsoft.com/office/drawing/2010/main" xmlns="" w="9525">
+              <a14:hiddenLine xmlns="" xmlns:a14="http://schemas.microsoft.com/office/drawing/2010/main" w="9525">
                 <a:solidFill>
                   <a:srgbClr val="000000"/>
                 </a:solidFill>
@@ -1494,7 +1494,7 @@
               <ma14:placeholderFlag xmlns:ma14="http://schemas.microsoft.com/office/mac/drawingml/2011/main" val="1"/>
             </a:ext>
             <a:ext uri="{909E8E84-426E-40dd-AFC4-6F175D3DCCD1}">
-              <a14:hiddenFill xmlns:a14="http://schemas.microsoft.com/office/drawing/2010/main" xmlns="">
+              <a14:hiddenFill xmlns="" xmlns:a14="http://schemas.microsoft.com/office/drawing/2010/main">
                 <a:solidFill>
                   <a:srgbClr val="FFFFFF"/>
                 </a:solidFill>
@@ -1550,14 +1550,14 @@
           <a:noFill/>
           <a:extLst>
             <a:ext uri="{909E8E84-426E-40dd-AFC4-6F175D3DCCD1}">
-              <a14:hiddenFill xmlns:a14="http://schemas.microsoft.com/office/drawing/2010/main" xmlns="">
+              <a14:hiddenFill xmlns="" xmlns:a14="http://schemas.microsoft.com/office/drawing/2010/main">
                 <a:solidFill>
                   <a:srgbClr val="FFFFFF"/>
                 </a:solidFill>
               </a14:hiddenFill>
             </a:ext>
             <a:ext uri="{91240B29-F687-4f45-9708-019B960494DF}">
-              <a14:hiddenLine xmlns:a14="http://schemas.microsoft.com/office/drawing/2010/main" xmlns="" w="9525">
+              <a14:hiddenLine xmlns="" xmlns:a14="http://schemas.microsoft.com/office/drawing/2010/main" w="9525">
                 <a:solidFill>
                   <a:srgbClr val="000000"/>
                 </a:solidFill>
@@ -2758,11 +2758,7 @@
           <a:p>
             <a:r>
               <a:rPr lang="en-US" baseline="0" dirty="0" smtClean="0"/>
-              <a:t>For </a:t>
-            </a:r>
-            <a:r>
-              <a:rPr lang="en-US" baseline="0" dirty="0" smtClean="0"/>
-              <a:t>directory, x is for searching the content</a:t>
+              <a:t>For directory, x is for searching the content</a:t>
             </a:r>
           </a:p>
           <a:p>
@@ -2985,11 +2981,7 @@
           <a:p>
             <a:r>
               <a:rPr lang="en-US" dirty="0" smtClean="0"/>
-              <a:t>&lt; &gt; — inequality signs, pointy brackets, or brackets</a:t>
-            </a:r>
-            <a:r>
-              <a:rPr lang="en-US" dirty="0" smtClean="0"/>
-              <a:t>.</a:t>
+              <a:t>&lt; &gt; — inequality signs, pointy brackets, or brackets.</a:t>
             </a:r>
           </a:p>
           <a:p>
@@ -3490,7 +3482,7 @@
           <a:p>
             <a:fld id="{ABADC6AE-926E-EB46-B8FC-9667B257EE73}" type="datetime1">
               <a:rPr lang="en-US" smtClean="0"/>
-              <a:t>9/10/18</a:t>
+              <a:t>9/11/18</a:t>
             </a:fld>
             <a:endParaRPr lang="en-US"/>
           </a:p>
@@ -3672,7 +3664,7 @@
           <a:p>
             <a:fld id="{E4F8A470-08EF-614D-BCC9-E2DDCDFFE454}" type="datetime1">
               <a:rPr lang="en-US" smtClean="0"/>
-              <a:t>9/10/18</a:t>
+              <a:t>9/11/18</a:t>
             </a:fld>
             <a:endParaRPr lang="en-US"/>
           </a:p>
@@ -3859,7 +3851,7 @@
           <a:p>
             <a:fld id="{AC56EEEE-62FA-B747-AC9A-642FE7F5EF9B}" type="datetime1">
               <a:rPr lang="en-US" smtClean="0"/>
-              <a:t>9/10/18</a:t>
+              <a:t>9/11/18</a:t>
             </a:fld>
             <a:endParaRPr lang="en-US"/>
           </a:p>
@@ -4015,7 +4007,7 @@
           <a:p>
             <a:fld id="{1F477C8D-48FB-BF44-B6D5-4E85A8E18A15}" type="datetime1">
               <a:rPr lang="en-US" smtClean="0"/>
-              <a:t>9/10/18</a:t>
+              <a:t>9/11/18</a:t>
             </a:fld>
             <a:endParaRPr lang="en-US"/>
           </a:p>
@@ -4302,7 +4294,7 @@
           <a:p>
             <a:fld id="{DF8BADF2-0887-724B-A839-500D892D50B2}" type="datetime1">
               <a:rPr lang="en-US" smtClean="0"/>
-              <a:t>9/10/18</a:t>
+              <a:t>9/11/18</a:t>
             </a:fld>
             <a:endParaRPr lang="en-US"/>
           </a:p>
@@ -4602,7 +4594,7 @@
           <a:p>
             <a:fld id="{AB679CD2-02A6-CF4B-81E1-8900F68564D6}" type="datetime1">
               <a:rPr lang="en-US" smtClean="0"/>
-              <a:t>9/10/18</a:t>
+              <a:t>9/11/18</a:t>
             </a:fld>
             <a:endParaRPr lang="en-US"/>
           </a:p>
@@ -5036,7 +5028,7 @@
           <a:p>
             <a:fld id="{1C655F5E-2E53-4E4B-9444-4A64692CB673}" type="datetime1">
               <a:rPr lang="en-US" smtClean="0"/>
-              <a:t>9/10/18</a:t>
+              <a:t>9/11/18</a:t>
             </a:fld>
             <a:endParaRPr lang="en-US"/>
           </a:p>
@@ -5166,7 +5158,7 @@
           <a:p>
             <a:fld id="{CA8CAF75-CF7F-A543-973A-BC50716AB675}" type="datetime1">
               <a:rPr lang="en-US" smtClean="0"/>
-              <a:t>9/10/18</a:t>
+              <a:t>9/11/18</a:t>
             </a:fld>
             <a:endParaRPr lang="en-US"/>
           </a:p>
@@ -5264,7 +5256,7 @@
           <a:p>
             <a:fld id="{BF82A31A-3479-9246-9E87-DD4066827871}" type="datetime1">
               <a:rPr lang="en-US" smtClean="0"/>
-              <a:t>9/10/18</a:t>
+              <a:t>9/11/18</a:t>
             </a:fld>
             <a:endParaRPr lang="en-US"/>
           </a:p>
@@ -5547,7 +5539,7 @@
           <a:p>
             <a:fld id="{42D814F9-59BE-C34C-B5F0-2D95F91463AA}" type="datetime1">
               <a:rPr lang="en-US" smtClean="0"/>
-              <a:t>9/10/18</a:t>
+              <a:t>9/11/18</a:t>
             </a:fld>
             <a:endParaRPr lang="en-US"/>
           </a:p>
@@ -5807,7 +5799,7 @@
           <a:p>
             <a:fld id="{B138EFD8-0C61-A541-90AF-E8C2C75167F4}" type="datetime1">
               <a:rPr lang="en-US" smtClean="0"/>
-              <a:t>9/10/18</a:t>
+              <a:t>9/11/18</a:t>
             </a:fld>
             <a:endParaRPr lang="en-US"/>
           </a:p>
@@ -5991,7 +5983,7 @@
           <a:p>
             <a:fld id="{2DCE6237-6632-494A-BB45-136EF54BD008}" type="datetime1">
               <a:rPr lang="en-US" smtClean="0"/>
-              <a:t>9/10/18</a:t>
+              <a:t>9/11/18</a:t>
             </a:fld>
             <a:endParaRPr lang="en-US"/>
           </a:p>
@@ -10285,14 +10277,14 @@
           <a:effectLst/>
           <a:extLst>
             <a:ext uri="{909E8E84-426E-40dd-AFC4-6F175D3DCCD1}">
-              <a14:hiddenFill xmlns:a14="http://schemas.microsoft.com/office/drawing/2010/main" xmlns="">
+              <a14:hiddenFill xmlns="" xmlns:a14="http://schemas.microsoft.com/office/drawing/2010/main">
                 <a:solidFill>
                   <a:schemeClr val="accent1"/>
                 </a:solidFill>
               </a14:hiddenFill>
             </a:ext>
             <a:ext uri="{AF507438-7753-43e0-B8FC-AC1667EBCBE1}">
-              <a14:hiddenEffects xmlns:a14="http://schemas.microsoft.com/office/drawing/2010/main" xmlns="">
+              <a14:hiddenEffects xmlns="" xmlns:a14="http://schemas.microsoft.com/office/drawing/2010/main">
                 <a:effectLst>
                   <a:outerShdw blurRad="63500" dist="38099" dir="2700000" algn="ctr" rotWithShape="0">
                     <a:schemeClr val="bg2">
@@ -10680,14 +10672,14 @@
           <a:effectLst/>
           <a:extLst>
             <a:ext uri="{909E8E84-426E-40dd-AFC4-6F175D3DCCD1}">
-              <a14:hiddenFill xmlns:a14="http://schemas.microsoft.com/office/drawing/2010/main" xmlns="">
+              <a14:hiddenFill xmlns="" xmlns:a14="http://schemas.microsoft.com/office/drawing/2010/main">
                 <a:solidFill>
                   <a:schemeClr val="accent1"/>
                 </a:solidFill>
               </a14:hiddenFill>
             </a:ext>
             <a:ext uri="{AF507438-7753-43e0-B8FC-AC1667EBCBE1}">
-              <a14:hiddenEffects xmlns:a14="http://schemas.microsoft.com/office/drawing/2010/main" xmlns="">
+              <a14:hiddenEffects xmlns="" xmlns:a14="http://schemas.microsoft.com/office/drawing/2010/main">
                 <a:effectLst>
                   <a:outerShdw blurRad="63500" dist="38099" dir="2700000" algn="ctr" rotWithShape="0">
                     <a:schemeClr val="bg2">
@@ -11127,7 +11119,7 @@
           <a:p>
             <a:fld id="{C94E3762-5D8A-3A4E-B6DB-2FE9B8FB070F}" type="datetime1">
               <a:rPr lang="en-US" smtClean="0"/>
-              <a:t>9/10/18</a:t>
+              <a:t>9/11/18</a:t>
             </a:fld>
             <a:endParaRPr lang="en-US"/>
           </a:p>
@@ -12735,42 +12727,21 @@
                 <a:latin typeface="Calibri" charset="0"/>
                 <a:cs typeface="Calibri" charset="0"/>
               </a:rPr>
-              <a:t>’ is different from the </a:t>
-            </a:r>
-            <a:r>
-              <a:rPr lang="en-US" smtClean="0">
-                <a:latin typeface="Calibri" charset="0"/>
-                <a:cs typeface="Calibri" charset="0"/>
-              </a:rPr>
-              <a:t>first </a:t>
-            </a:r>
-            <a:r>
-              <a:rPr lang="en-US" smtClean="0">
+              <a:t>’ is different from the first </a:t>
+            </a:r>
+            <a:r>
+              <a:rPr lang="en-US" dirty="0" smtClean="0">
                 <a:latin typeface="Courier New" charset="0"/>
                 <a:cs typeface="Courier New" charset="0"/>
               </a:rPr>
               <a:t>$ </a:t>
-            </a:r>
-            <a:r>
-              <a:rPr lang="en-US" smtClean="0">
-                <a:latin typeface="Calibri" charset="0"/>
-                <a:cs typeface="Calibri" charset="0"/>
-              </a:rPr>
-              <a:t>the </a:t>
             </a:r>
             <a:r>
               <a:rPr lang="en-US" dirty="0" smtClean="0">
                 <a:latin typeface="Calibri" charset="0"/>
                 <a:cs typeface="Calibri" charset="0"/>
               </a:rPr>
-              <a:t>beginning of </a:t>
-            </a:r>
-            <a:r>
-              <a:rPr lang="en-US" smtClean="0">
-                <a:latin typeface="Calibri" charset="0"/>
-                <a:cs typeface="Calibri" charset="0"/>
-              </a:rPr>
-              <a:t>command line</a:t>
+              <a:t>the beginning of command line</a:t>
             </a:r>
             <a:endParaRPr lang="en-US" dirty="0">
               <a:latin typeface="Calibri" charset="0"/>
@@ -13981,7 +13952,7 @@
           <a:p>
             <a:fld id="{C94E3762-5D8A-3A4E-B6DB-2FE9B8FB070F}" type="datetime1">
               <a:rPr lang="en-US" smtClean="0"/>
-              <a:t>9/10/18</a:t>
+              <a:t>9/11/18</a:t>
             </a:fld>
             <a:endParaRPr lang="en-US"/>
           </a:p>
@@ -14671,14 +14642,14 @@
           <a:effectLst/>
           <a:extLst>
             <a:ext uri="{909E8E84-426E-40dd-AFC4-6F175D3DCCD1}">
-              <a14:hiddenFill xmlns:a14="http://schemas.microsoft.com/office/drawing/2010/main" xmlns="">
+              <a14:hiddenFill xmlns="" xmlns:a14="http://schemas.microsoft.com/office/drawing/2010/main">
                 <a:solidFill>
                   <a:schemeClr val="accent1"/>
                 </a:solidFill>
               </a14:hiddenFill>
             </a:ext>
             <a:ext uri="{91240B29-F687-4f45-9708-019B960494DF}">
-              <a14:hiddenLine xmlns:a14="http://schemas.microsoft.com/office/drawing/2010/main" xmlns="" w="9525">
+              <a14:hiddenLine xmlns="" xmlns:a14="http://schemas.microsoft.com/office/drawing/2010/main" w="9525">
                 <a:solidFill>
                   <a:schemeClr val="tx1"/>
                 </a:solidFill>
@@ -14688,7 +14659,7 @@
               </a14:hiddenLine>
             </a:ext>
             <a:ext uri="{AF507438-7753-43e0-B8FC-AC1667EBCBE1}">
-              <a14:hiddenEffects xmlns:a14="http://schemas.microsoft.com/office/drawing/2010/main" xmlns="">
+              <a14:hiddenEffects xmlns="" xmlns:a14="http://schemas.microsoft.com/office/drawing/2010/main">
                 <a:effectLst>
                   <a:outerShdw blurRad="63500" dist="38099" dir="2700000" algn="ctr" rotWithShape="0">
                     <a:schemeClr val="bg2">
@@ -14756,7 +14727,7 @@
           <a:noFill/>
           <a:extLst>
             <a:ext uri="{909E8E84-426E-40dd-AFC4-6F175D3DCCD1}">
-              <a14:hiddenFill xmlns:a14="http://schemas.microsoft.com/office/drawing/2010/main" xmlns="">
+              <a14:hiddenFill xmlns="" xmlns:a14="http://schemas.microsoft.com/office/drawing/2010/main">
                 <a:solidFill>
                   <a:srgbClr val="FFFFFF"/>
                 </a:solidFill>
@@ -15987,7 +15958,7 @@
           <a:p>
             <a:fld id="{C94E3762-5D8A-3A4E-B6DB-2FE9B8FB070F}" type="datetime1">
               <a:rPr lang="en-US" smtClean="0"/>
-              <a:t>9/10/18</a:t>
+              <a:t>9/11/18</a:t>
             </a:fld>
             <a:endParaRPr lang="en-US"/>
           </a:p>
@@ -16090,14 +16061,14 @@
           <a:effectLst/>
           <a:extLst>
             <a:ext uri="{909E8E84-426E-40dd-AFC4-6F175D3DCCD1}">
-              <a14:hiddenFill xmlns:a14="http://schemas.microsoft.com/office/drawing/2010/main" xmlns="">
+              <a14:hiddenFill xmlns="" xmlns:a14="http://schemas.microsoft.com/office/drawing/2010/main">
                 <a:solidFill>
                   <a:schemeClr val="accent1"/>
                 </a:solidFill>
               </a14:hiddenFill>
             </a:ext>
             <a:ext uri="{91240B29-F687-4f45-9708-019B960494DF}">
-              <a14:hiddenLine xmlns:a14="http://schemas.microsoft.com/office/drawing/2010/main" xmlns="" w="9525">
+              <a14:hiddenLine xmlns="" xmlns:a14="http://schemas.microsoft.com/office/drawing/2010/main" w="9525">
                 <a:solidFill>
                   <a:schemeClr val="tx1"/>
                 </a:solidFill>
@@ -16107,7 +16078,7 @@
               </a14:hiddenLine>
             </a:ext>
             <a:ext uri="{AF507438-7753-43e0-B8FC-AC1667EBCBE1}">
-              <a14:hiddenEffects xmlns:a14="http://schemas.microsoft.com/office/drawing/2010/main" xmlns="">
+              <a14:hiddenEffects xmlns="" xmlns:a14="http://schemas.microsoft.com/office/drawing/2010/main">
                 <a:effectLst>
                   <a:outerShdw blurRad="63500" dist="38099" dir="2700000" algn="ctr" rotWithShape="0">
                     <a:schemeClr val="bg2">
@@ -16174,7 +16145,7 @@
           <a:noFill/>
           <a:extLst>
             <a:ext uri="{909E8E84-426E-40dd-AFC4-6F175D3DCCD1}">
-              <a14:hiddenFill xmlns:a14="http://schemas.microsoft.com/office/drawing/2010/main" xmlns="">
+              <a14:hiddenFill xmlns="" xmlns:a14="http://schemas.microsoft.com/office/drawing/2010/main">
                 <a:solidFill>
                   <a:srgbClr val="FFFFFF"/>
                 </a:solidFill>
@@ -16413,7 +16384,7 @@
           <a:p>
             <a:fld id="{C94E3762-5D8A-3A4E-B6DB-2FE9B8FB070F}" type="datetime1">
               <a:rPr lang="en-US" smtClean="0"/>
-              <a:t>9/10/18</a:t>
+              <a:t>9/11/18</a:t>
             </a:fld>
             <a:endParaRPr lang="en-US"/>
           </a:p>
@@ -16520,7 +16491,7 @@
           <a:noFill/>
           <a:extLst>
             <a:ext uri="{909E8E84-426E-40dd-AFC4-6F175D3DCCD1}">
-              <a14:hiddenFill xmlns:a14="http://schemas.microsoft.com/office/drawing/2010/main" xmlns="">
+              <a14:hiddenFill xmlns="" xmlns:a14="http://schemas.microsoft.com/office/drawing/2010/main">
                 <a:solidFill>
                   <a:srgbClr val="FFFFFF"/>
                 </a:solidFill>
@@ -16552,14 +16523,14 @@
           <a:effectLst/>
           <a:extLst>
             <a:ext uri="{909E8E84-426E-40dd-AFC4-6F175D3DCCD1}">
-              <a14:hiddenFill xmlns:a14="http://schemas.microsoft.com/office/drawing/2010/main" xmlns="">
+              <a14:hiddenFill xmlns="" xmlns:a14="http://schemas.microsoft.com/office/drawing/2010/main">
                 <a:solidFill>
                   <a:schemeClr val="accent1"/>
                 </a:solidFill>
               </a14:hiddenFill>
             </a:ext>
             <a:ext uri="{91240B29-F687-4f45-9708-019B960494DF}">
-              <a14:hiddenLine xmlns:a14="http://schemas.microsoft.com/office/drawing/2010/main" xmlns="" w="9525">
+              <a14:hiddenLine xmlns="" xmlns:a14="http://schemas.microsoft.com/office/drawing/2010/main" w="9525">
                 <a:solidFill>
                   <a:schemeClr val="tx1"/>
                 </a:solidFill>
@@ -16569,7 +16540,7 @@
               </a14:hiddenLine>
             </a:ext>
             <a:ext uri="{AF507438-7753-43e0-B8FC-AC1667EBCBE1}">
-              <a14:hiddenEffects xmlns:a14="http://schemas.microsoft.com/office/drawing/2010/main" xmlns="">
+              <a14:hiddenEffects xmlns="" xmlns:a14="http://schemas.microsoft.com/office/drawing/2010/main">
                 <a:effectLst>
                   <a:outerShdw blurRad="63500" dist="38099" dir="2700000" algn="ctr" rotWithShape="0">
                     <a:schemeClr val="bg2">
@@ -16913,14 +16884,14 @@
           <a:effectLst/>
           <a:extLst>
             <a:ext uri="{909E8E84-426E-40dd-AFC4-6F175D3DCCD1}">
-              <a14:hiddenFill xmlns:a14="http://schemas.microsoft.com/office/drawing/2010/main" xmlns="">
+              <a14:hiddenFill xmlns="" xmlns:a14="http://schemas.microsoft.com/office/drawing/2010/main">
                 <a:solidFill>
                   <a:schemeClr val="accent1"/>
                 </a:solidFill>
               </a14:hiddenFill>
             </a:ext>
             <a:ext uri="{91240B29-F687-4f45-9708-019B960494DF}">
-              <a14:hiddenLine xmlns:a14="http://schemas.microsoft.com/office/drawing/2010/main" xmlns="" w="9525">
+              <a14:hiddenLine xmlns="" xmlns:a14="http://schemas.microsoft.com/office/drawing/2010/main" w="9525">
                 <a:solidFill>
                   <a:schemeClr val="tx1"/>
                 </a:solidFill>
@@ -16930,7 +16901,7 @@
               </a14:hiddenLine>
             </a:ext>
             <a:ext uri="{AF507438-7753-43e0-B8FC-AC1667EBCBE1}">
-              <a14:hiddenEffects xmlns:a14="http://schemas.microsoft.com/office/drawing/2010/main" xmlns="">
+              <a14:hiddenEffects xmlns="" xmlns:a14="http://schemas.microsoft.com/office/drawing/2010/main">
                 <a:effectLst>
                   <a:outerShdw blurRad="63500" dist="38099" dir="2700000" algn="ctr" rotWithShape="0">
                     <a:schemeClr val="bg2">
@@ -16989,14 +16960,14 @@
           <a:effectLst/>
           <a:extLst>
             <a:ext uri="{909E8E84-426E-40dd-AFC4-6F175D3DCCD1}">
-              <a14:hiddenFill xmlns:a14="http://schemas.microsoft.com/office/drawing/2010/main" xmlns="">
+              <a14:hiddenFill xmlns="" xmlns:a14="http://schemas.microsoft.com/office/drawing/2010/main">
                 <a:solidFill>
                   <a:schemeClr val="accent1"/>
                 </a:solidFill>
               </a14:hiddenFill>
             </a:ext>
             <a:ext uri="{91240B29-F687-4f45-9708-019B960494DF}">
-              <a14:hiddenLine xmlns:a14="http://schemas.microsoft.com/office/drawing/2010/main" xmlns="" w="9525">
+              <a14:hiddenLine xmlns="" xmlns:a14="http://schemas.microsoft.com/office/drawing/2010/main" w="9525">
                 <a:solidFill>
                   <a:schemeClr val="tx1"/>
                 </a:solidFill>
@@ -17006,7 +16977,7 @@
               </a14:hiddenLine>
             </a:ext>
             <a:ext uri="{AF507438-7753-43e0-B8FC-AC1667EBCBE1}">
-              <a14:hiddenEffects xmlns:a14="http://schemas.microsoft.com/office/drawing/2010/main" xmlns="">
+              <a14:hiddenEffects xmlns="" xmlns:a14="http://schemas.microsoft.com/office/drawing/2010/main">
                 <a:effectLst>
                   <a:outerShdw blurRad="63500" dist="38099" dir="2700000" algn="ctr" rotWithShape="0">
                     <a:schemeClr val="bg2">
@@ -17073,7 +17044,7 @@
           <a:noFill/>
           <a:extLst>
             <a:ext uri="{909E8E84-426E-40dd-AFC4-6F175D3DCCD1}">
-              <a14:hiddenFill xmlns:a14="http://schemas.microsoft.com/office/drawing/2010/main" xmlns="">
+              <a14:hiddenFill xmlns="" xmlns:a14="http://schemas.microsoft.com/office/drawing/2010/main">
                 <a:solidFill>
                   <a:srgbClr val="FFFFFF"/>
                 </a:solidFill>
@@ -17123,7 +17094,7 @@
             <a:fld id="{7A583AE1-6BA9-459D-8E25-FA2670ABE814}" type="datetime1">
               <a:rPr lang="en-US" altLang="zh-CN" smtClean="0"/>
               <a:pPr/>
-              <a:t>9/10/18</a:t>
+              <a:t>9/11/18</a:t>
             </a:fld>
             <a:endParaRPr lang="en-US"/>
           </a:p>

--- a/slides/Lecture03.pptx
+++ b/slides/Lecture03.pptx
@@ -5,10 +5,10 @@
     <p:sldMasterId id="2147483648" r:id="rId1"/>
   </p:sldMasterIdLst>
   <p:notesMasterIdLst>
-    <p:notesMasterId r:id="rId39"/>
+    <p:notesMasterId r:id="rId40"/>
   </p:notesMasterIdLst>
   <p:handoutMasterIdLst>
-    <p:handoutMasterId r:id="rId40"/>
+    <p:handoutMasterId r:id="rId41"/>
   </p:handoutMasterIdLst>
   <p:sldIdLst>
     <p:sldId id="257" r:id="rId2"/>
@@ -42,12 +42,13 @@
     <p:sldId id="400" r:id="rId30"/>
     <p:sldId id="413" r:id="rId31"/>
     <p:sldId id="414" r:id="rId32"/>
-    <p:sldId id="401" r:id="rId33"/>
-    <p:sldId id="402" r:id="rId34"/>
-    <p:sldId id="405" r:id="rId35"/>
-    <p:sldId id="406" r:id="rId36"/>
-    <p:sldId id="407" r:id="rId37"/>
-    <p:sldId id="315" r:id="rId38"/>
+    <p:sldId id="415" r:id="rId33"/>
+    <p:sldId id="401" r:id="rId34"/>
+    <p:sldId id="402" r:id="rId35"/>
+    <p:sldId id="405" r:id="rId36"/>
+    <p:sldId id="406" r:id="rId37"/>
+    <p:sldId id="407" r:id="rId38"/>
+    <p:sldId id="315" r:id="rId39"/>
   </p:sldIdLst>
   <p:sldSz cx="9144000" cy="6858000" type="screen4x3"/>
   <p:notesSz cx="6858000" cy="9144000"/>
@@ -247,7 +248,7 @@
           <a:p>
             <a:fld id="{9B76BEED-DF9C-1A44-AA9A-E917AAEDB26F}" type="datetimeFigureOut">
               <a:rPr lang="en-US" smtClean="0"/>
-              <a:t>9/11/18</a:t>
+              <a:t>9/13/18</a:t>
             </a:fld>
             <a:endParaRPr lang="en-US"/>
           </a:p>
@@ -413,7 +414,7 @@
           <a:p>
             <a:fld id="{21727DB9-44F7-CE42-9AB8-318282F70AED}" type="datetimeFigureOut">
               <a:rPr lang="en-US" smtClean="0"/>
-              <a:t>9/11/18</a:t>
+              <a:t>9/13/18</a:t>
             </a:fld>
             <a:endParaRPr lang="en-US"/>
           </a:p>
@@ -1218,7 +1219,7 @@
               <ma14:placeholderFlag xmlns:ma14="http://schemas.microsoft.com/office/mac/drawingml/2011/main" val="1"/>
             </a:ext>
             <a:ext uri="{909E8E84-426E-40dd-AFC4-6F175D3DCCD1}">
-              <a14:hiddenFill xmlns="" xmlns:a14="http://schemas.microsoft.com/office/drawing/2010/main">
+              <a14:hiddenFill xmlns:a14="http://schemas.microsoft.com/office/drawing/2010/main" xmlns="">
                 <a:solidFill>
                   <a:srgbClr val="FFFFFF"/>
                 </a:solidFill>
@@ -1244,14 +1245,14 @@
               <ma14:placeholderFlag xmlns:ma14="http://schemas.microsoft.com/office/mac/drawingml/2011/main" val="1"/>
             </a:ext>
             <a:ext uri="{909E8E84-426E-40dd-AFC4-6F175D3DCCD1}">
-              <a14:hiddenFill xmlns="" xmlns:a14="http://schemas.microsoft.com/office/drawing/2010/main">
+              <a14:hiddenFill xmlns:a14="http://schemas.microsoft.com/office/drawing/2010/main" xmlns="">
                 <a:solidFill>
                   <a:srgbClr val="FFFFFF"/>
                 </a:solidFill>
               </a14:hiddenFill>
             </a:ext>
             <a:ext uri="{91240B29-F687-4f45-9708-019B960494DF}">
-              <a14:hiddenLine xmlns="" xmlns:a14="http://schemas.microsoft.com/office/drawing/2010/main" w="9525">
+              <a14:hiddenLine xmlns:a14="http://schemas.microsoft.com/office/drawing/2010/main" xmlns="" w="9525">
                 <a:solidFill>
                   <a:srgbClr val="000000"/>
                 </a:solidFill>
@@ -1296,14 +1297,14 @@
           <a:noFill/>
           <a:extLst>
             <a:ext uri="{909E8E84-426E-40dd-AFC4-6F175D3DCCD1}">
-              <a14:hiddenFill xmlns="" xmlns:a14="http://schemas.microsoft.com/office/drawing/2010/main">
+              <a14:hiddenFill xmlns:a14="http://schemas.microsoft.com/office/drawing/2010/main" xmlns="">
                 <a:solidFill>
                   <a:srgbClr val="FFFFFF"/>
                 </a:solidFill>
               </a14:hiddenFill>
             </a:ext>
             <a:ext uri="{91240B29-F687-4f45-9708-019B960494DF}">
-              <a14:hiddenLine xmlns="" xmlns:a14="http://schemas.microsoft.com/office/drawing/2010/main" w="9525">
+              <a14:hiddenLine xmlns:a14="http://schemas.microsoft.com/office/drawing/2010/main" xmlns="" w="9525">
                 <a:solidFill>
                   <a:srgbClr val="000000"/>
                 </a:solidFill>
@@ -1494,7 +1495,7 @@
               <ma14:placeholderFlag xmlns:ma14="http://schemas.microsoft.com/office/mac/drawingml/2011/main" val="1"/>
             </a:ext>
             <a:ext uri="{909E8E84-426E-40dd-AFC4-6F175D3DCCD1}">
-              <a14:hiddenFill xmlns="" xmlns:a14="http://schemas.microsoft.com/office/drawing/2010/main">
+              <a14:hiddenFill xmlns:a14="http://schemas.microsoft.com/office/drawing/2010/main" xmlns="">
                 <a:solidFill>
                   <a:srgbClr val="FFFFFF"/>
                 </a:solidFill>
@@ -1550,14 +1551,14 @@
           <a:noFill/>
           <a:extLst>
             <a:ext uri="{909E8E84-426E-40dd-AFC4-6F175D3DCCD1}">
-              <a14:hiddenFill xmlns="" xmlns:a14="http://schemas.microsoft.com/office/drawing/2010/main">
+              <a14:hiddenFill xmlns:a14="http://schemas.microsoft.com/office/drawing/2010/main" xmlns="">
                 <a:solidFill>
                   <a:srgbClr val="FFFFFF"/>
                 </a:solidFill>
               </a14:hiddenFill>
             </a:ext>
             <a:ext uri="{91240B29-F687-4f45-9708-019B960494DF}">
-              <a14:hiddenLine xmlns="" xmlns:a14="http://schemas.microsoft.com/office/drawing/2010/main" w="9525">
+              <a14:hiddenLine xmlns:a14="http://schemas.microsoft.com/office/drawing/2010/main" xmlns="" w="9525">
                 <a:solidFill>
                   <a:srgbClr val="000000"/>
                 </a:solidFill>
@@ -2264,7 +2265,7 @@
             <a:fld id="{EEDAA0E5-EBCA-4233-B181-312910E0BFDF}" type="slidenum">
               <a:rPr lang="en-US" altLang="zh-CN"/>
               <a:pPr/>
-              <a:t>33</a:t>
+              <a:t>34</a:t>
             </a:fld>
             <a:endParaRPr lang="en-US" altLang="zh-CN"/>
           </a:p>
@@ -2389,7 +2390,7 @@
           <a:p>
             <a:fld id="{700CF522-F05E-8946-A5FF-DB9FEEF2D366}" type="slidenum">
               <a:rPr lang="en-US" smtClean="0"/>
-              <a:t>34</a:t>
+              <a:t>35</a:t>
             </a:fld>
             <a:endParaRPr lang="en-US"/>
           </a:p>
@@ -2445,7 +2446,7 @@
             <a:fld id="{EEDAA0E5-EBCA-4233-B181-312910E0BFDF}" type="slidenum">
               <a:rPr lang="en-US" altLang="zh-CN"/>
               <a:pPr/>
-              <a:t>35</a:t>
+              <a:t>36</a:t>
             </a:fld>
             <a:endParaRPr lang="en-US" altLang="zh-CN"/>
           </a:p>
@@ -3482,7 +3483,7 @@
           <a:p>
             <a:fld id="{ABADC6AE-926E-EB46-B8FC-9667B257EE73}" type="datetime1">
               <a:rPr lang="en-US" smtClean="0"/>
-              <a:t>9/11/18</a:t>
+              <a:t>9/13/18</a:t>
             </a:fld>
             <a:endParaRPr lang="en-US"/>
           </a:p>
@@ -3664,7 +3665,7 @@
           <a:p>
             <a:fld id="{E4F8A470-08EF-614D-BCC9-E2DDCDFFE454}" type="datetime1">
               <a:rPr lang="en-US" smtClean="0"/>
-              <a:t>9/11/18</a:t>
+              <a:t>9/13/18</a:t>
             </a:fld>
             <a:endParaRPr lang="en-US"/>
           </a:p>
@@ -3851,7 +3852,7 @@
           <a:p>
             <a:fld id="{AC56EEEE-62FA-B747-AC9A-642FE7F5EF9B}" type="datetime1">
               <a:rPr lang="en-US" smtClean="0"/>
-              <a:t>9/11/18</a:t>
+              <a:t>9/13/18</a:t>
             </a:fld>
             <a:endParaRPr lang="en-US"/>
           </a:p>
@@ -4007,7 +4008,7 @@
           <a:p>
             <a:fld id="{1F477C8D-48FB-BF44-B6D5-4E85A8E18A15}" type="datetime1">
               <a:rPr lang="en-US" smtClean="0"/>
-              <a:t>9/11/18</a:t>
+              <a:t>9/13/18</a:t>
             </a:fld>
             <a:endParaRPr lang="en-US"/>
           </a:p>
@@ -4294,7 +4295,7 @@
           <a:p>
             <a:fld id="{DF8BADF2-0887-724B-A839-500D892D50B2}" type="datetime1">
               <a:rPr lang="en-US" smtClean="0"/>
-              <a:t>9/11/18</a:t>
+              <a:t>9/13/18</a:t>
             </a:fld>
             <a:endParaRPr lang="en-US"/>
           </a:p>
@@ -4594,7 +4595,7 @@
           <a:p>
             <a:fld id="{AB679CD2-02A6-CF4B-81E1-8900F68564D6}" type="datetime1">
               <a:rPr lang="en-US" smtClean="0"/>
-              <a:t>9/11/18</a:t>
+              <a:t>9/13/18</a:t>
             </a:fld>
             <a:endParaRPr lang="en-US"/>
           </a:p>
@@ -5028,7 +5029,7 @@
           <a:p>
             <a:fld id="{1C655F5E-2E53-4E4B-9444-4A64692CB673}" type="datetime1">
               <a:rPr lang="en-US" smtClean="0"/>
-              <a:t>9/11/18</a:t>
+              <a:t>9/13/18</a:t>
             </a:fld>
             <a:endParaRPr lang="en-US"/>
           </a:p>
@@ -5158,7 +5159,7 @@
           <a:p>
             <a:fld id="{CA8CAF75-CF7F-A543-973A-BC50716AB675}" type="datetime1">
               <a:rPr lang="en-US" smtClean="0"/>
-              <a:t>9/11/18</a:t>
+              <a:t>9/13/18</a:t>
             </a:fld>
             <a:endParaRPr lang="en-US"/>
           </a:p>
@@ -5256,7 +5257,7 @@
           <a:p>
             <a:fld id="{BF82A31A-3479-9246-9E87-DD4066827871}" type="datetime1">
               <a:rPr lang="en-US" smtClean="0"/>
-              <a:t>9/11/18</a:t>
+              <a:t>9/13/18</a:t>
             </a:fld>
             <a:endParaRPr lang="en-US"/>
           </a:p>
@@ -5539,7 +5540,7 @@
           <a:p>
             <a:fld id="{42D814F9-59BE-C34C-B5F0-2D95F91463AA}" type="datetime1">
               <a:rPr lang="en-US" smtClean="0"/>
-              <a:t>9/11/18</a:t>
+              <a:t>9/13/18</a:t>
             </a:fld>
             <a:endParaRPr lang="en-US"/>
           </a:p>
@@ -5799,7 +5800,7 @@
           <a:p>
             <a:fld id="{B138EFD8-0C61-A541-90AF-E8C2C75167F4}" type="datetime1">
               <a:rPr lang="en-US" smtClean="0"/>
-              <a:t>9/11/18</a:t>
+              <a:t>9/13/18</a:t>
             </a:fld>
             <a:endParaRPr lang="en-US"/>
           </a:p>
@@ -5983,7 +5984,7 @@
           <a:p>
             <a:fld id="{2DCE6237-6632-494A-BB45-136EF54BD008}" type="datetime1">
               <a:rPr lang="en-US" smtClean="0"/>
-              <a:t>9/11/18</a:t>
+              <a:t>9/13/18</a:t>
             </a:fld>
             <a:endParaRPr lang="en-US"/>
           </a:p>
@@ -10277,14 +10278,14 @@
           <a:effectLst/>
           <a:extLst>
             <a:ext uri="{909E8E84-426E-40dd-AFC4-6F175D3DCCD1}">
-              <a14:hiddenFill xmlns="" xmlns:a14="http://schemas.microsoft.com/office/drawing/2010/main">
+              <a14:hiddenFill xmlns:a14="http://schemas.microsoft.com/office/drawing/2010/main" xmlns="">
                 <a:solidFill>
                   <a:schemeClr val="accent1"/>
                 </a:solidFill>
               </a14:hiddenFill>
             </a:ext>
             <a:ext uri="{AF507438-7753-43e0-B8FC-AC1667EBCBE1}">
-              <a14:hiddenEffects xmlns="" xmlns:a14="http://schemas.microsoft.com/office/drawing/2010/main">
+              <a14:hiddenEffects xmlns:a14="http://schemas.microsoft.com/office/drawing/2010/main" xmlns="">
                 <a:effectLst>
                   <a:outerShdw blurRad="63500" dist="38099" dir="2700000" algn="ctr" rotWithShape="0">
                     <a:schemeClr val="bg2">
@@ -10672,14 +10673,14 @@
           <a:effectLst/>
           <a:extLst>
             <a:ext uri="{909E8E84-426E-40dd-AFC4-6F175D3DCCD1}">
-              <a14:hiddenFill xmlns="" xmlns:a14="http://schemas.microsoft.com/office/drawing/2010/main">
+              <a14:hiddenFill xmlns:a14="http://schemas.microsoft.com/office/drawing/2010/main" xmlns="">
                 <a:solidFill>
                   <a:schemeClr val="accent1"/>
                 </a:solidFill>
               </a14:hiddenFill>
             </a:ext>
             <a:ext uri="{AF507438-7753-43e0-B8FC-AC1667EBCBE1}">
-              <a14:hiddenEffects xmlns="" xmlns:a14="http://schemas.microsoft.com/office/drawing/2010/main">
+              <a14:hiddenEffects xmlns:a14="http://schemas.microsoft.com/office/drawing/2010/main" xmlns="">
                 <a:effectLst>
                   <a:outerShdw blurRad="63500" dist="38099" dir="2700000" algn="ctr" rotWithShape="0">
                     <a:schemeClr val="bg2">
@@ -11119,7 +11120,7 @@
           <a:p>
             <a:fld id="{C94E3762-5D8A-3A4E-B6DB-2FE9B8FB070F}" type="datetime1">
               <a:rPr lang="en-US" smtClean="0"/>
-              <a:t>9/11/18</a:t>
+              <a:t>9/13/18</a:t>
             </a:fld>
             <a:endParaRPr lang="en-US"/>
           </a:p>
@@ -13952,7 +13953,7 @@
           <a:p>
             <a:fld id="{C94E3762-5D8A-3A4E-B6DB-2FE9B8FB070F}" type="datetime1">
               <a:rPr lang="en-US" smtClean="0"/>
-              <a:t>9/11/18</a:t>
+              <a:t>9/13/18</a:t>
             </a:fld>
             <a:endParaRPr lang="en-US"/>
           </a:p>
@@ -14621,6 +14622,125 @@
       </p:grpSpPr>
       <p:sp>
         <p:nvSpPr>
+          <p:cNvPr id="3" name="Slide Number Placeholder 2"/>
+          <p:cNvSpPr>
+            <a:spLocks noGrp="1"/>
+          </p:cNvSpPr>
+          <p:nvPr>
+            <p:ph type="sldNum" sz="quarter" idx="12"/>
+          </p:nvPr>
+        </p:nvSpPr>
+        <p:spPr/>
+        <p:txBody>
+          <a:bodyPr/>
+          <a:lstStyle/>
+          <a:p>
+            <a:fld id="{D2DB48A1-B5F2-D944-9563-BD7B04ADBA09}" type="slidenum">
+              <a:rPr lang="en-US" smtClean="0"/>
+              <a:t>32</a:t>
+            </a:fld>
+            <a:endParaRPr lang="en-US"/>
+          </a:p>
+        </p:txBody>
+      </p:sp>
+      <p:pic>
+        <p:nvPicPr>
+          <p:cNvPr id="5" name="Picture 4"/>
+          <p:cNvPicPr>
+            <a:picLocks noChangeAspect="1"/>
+          </p:cNvPicPr>
+          <p:nvPr/>
+        </p:nvPicPr>
+        <p:blipFill>
+          <a:blip r:embed="rId2">
+            <a:extLst>
+              <a:ext uri="{28A0092B-C50C-407E-A947-70E740481C1C}">
+                <a14:useLocalDpi xmlns:a14="http://schemas.microsoft.com/office/drawing/2010/main" val="0"/>
+              </a:ext>
+            </a:extLst>
+          </a:blip>
+          <a:stretch>
+            <a:fillRect/>
+          </a:stretch>
+        </p:blipFill>
+        <p:spPr>
+          <a:xfrm>
+            <a:off x="1397000" y="406400"/>
+            <a:ext cx="6350000" cy="6032500"/>
+          </a:xfrm>
+          <a:prstGeom prst="rect">
+            <a:avLst/>
+          </a:prstGeom>
+        </p:spPr>
+      </p:pic>
+      <p:sp>
+        <p:nvSpPr>
+          <p:cNvPr id="6" name="Rectangle 5"/>
+          <p:cNvSpPr/>
+          <p:nvPr/>
+        </p:nvSpPr>
+        <p:spPr>
+          <a:xfrm>
+            <a:off x="99847" y="6567586"/>
+            <a:ext cx="9506607" cy="307777"/>
+          </a:xfrm>
+          <a:prstGeom prst="rect">
+            <a:avLst/>
+          </a:prstGeom>
+        </p:spPr>
+        <p:txBody>
+          <a:bodyPr wrap="square">
+            <a:spAutoFit/>
+          </a:bodyPr>
+          <a:lstStyle/>
+          <a:p>
+            <a:r>
+              <a:rPr lang="en-US" sz="1400" i="1" dirty="0"/>
+              <a:t>https://</a:t>
+            </a:r>
+            <a:r>
+              <a:rPr lang="en-US" sz="1400" i="1" dirty="0" err="1"/>
+              <a:t>gabrieletolomei.wordpress.com</a:t>
+            </a:r>
+            <a:r>
+              <a:rPr lang="en-US" sz="1400" i="1" dirty="0"/>
+              <a:t>/miscellanea/operating-systems/in-memory-layout/</a:t>
+            </a:r>
+          </a:p>
+        </p:txBody>
+      </p:sp>
+    </p:spTree>
+    <p:extLst>
+      <p:ext uri="{BB962C8B-B14F-4D97-AF65-F5344CB8AC3E}">
+        <p14:creationId xmlns:p14="http://schemas.microsoft.com/office/powerpoint/2010/main" val="536159104"/>
+      </p:ext>
+    </p:extLst>
+  </p:cSld>
+  <p:clrMapOvr>
+    <a:masterClrMapping/>
+  </p:clrMapOvr>
+</p:sld>
+</file>
+
+<file path=ppt/slides/slide33.xml><?xml version="1.0" encoding="utf-8"?>
+<p:sld xmlns:a="http://schemas.openxmlformats.org/drawingml/2006/main" xmlns:r="http://schemas.openxmlformats.org/officeDocument/2006/relationships" xmlns:p="http://schemas.openxmlformats.org/presentationml/2006/main">
+  <p:cSld>
+    <p:spTree>
+      <p:nvGrpSpPr>
+        <p:cNvPr id="1" name=""/>
+        <p:cNvGrpSpPr/>
+        <p:nvPr/>
+      </p:nvGrpSpPr>
+      <p:grpSpPr>
+        <a:xfrm>
+          <a:off x="0" y="0"/>
+          <a:ext cx="0" cy="0"/>
+          <a:chOff x="0" y="0"/>
+          <a:chExt cx="0" cy="0"/>
+        </a:xfrm>
+      </p:grpSpPr>
+      <p:sp>
+        <p:nvSpPr>
           <p:cNvPr id="96259" name="Rectangle 3"/>
           <p:cNvSpPr>
             <a:spLocks noChangeArrowheads="1"/>
@@ -14642,14 +14762,14 @@
           <a:effectLst/>
           <a:extLst>
             <a:ext uri="{909E8E84-426E-40dd-AFC4-6F175D3DCCD1}">
-              <a14:hiddenFill xmlns="" xmlns:a14="http://schemas.microsoft.com/office/drawing/2010/main">
+              <a14:hiddenFill xmlns:a14="http://schemas.microsoft.com/office/drawing/2010/main" xmlns="">
                 <a:solidFill>
                   <a:schemeClr val="accent1"/>
                 </a:solidFill>
               </a14:hiddenFill>
             </a:ext>
             <a:ext uri="{91240B29-F687-4f45-9708-019B960494DF}">
-              <a14:hiddenLine xmlns="" xmlns:a14="http://schemas.microsoft.com/office/drawing/2010/main" w="9525">
+              <a14:hiddenLine xmlns:a14="http://schemas.microsoft.com/office/drawing/2010/main" xmlns="" w="9525">
                 <a:solidFill>
                   <a:schemeClr val="tx1"/>
                 </a:solidFill>
@@ -14659,7 +14779,7 @@
               </a14:hiddenLine>
             </a:ext>
             <a:ext uri="{AF507438-7753-43e0-B8FC-AC1667EBCBE1}">
-              <a14:hiddenEffects xmlns="" xmlns:a14="http://schemas.microsoft.com/office/drawing/2010/main">
+              <a14:hiddenEffects xmlns:a14="http://schemas.microsoft.com/office/drawing/2010/main" xmlns="">
                 <a:effectLst>
                   <a:outerShdw blurRad="63500" dist="38099" dir="2700000" algn="ctr" rotWithShape="0">
                     <a:schemeClr val="bg2">
@@ -14727,7 +14847,7 @@
           <a:noFill/>
           <a:extLst>
             <a:ext uri="{909E8E84-426E-40dd-AFC4-6F175D3DCCD1}">
-              <a14:hiddenFill xmlns="" xmlns:a14="http://schemas.microsoft.com/office/drawing/2010/main">
+              <a14:hiddenFill xmlns:a14="http://schemas.microsoft.com/office/drawing/2010/main" xmlns="">
                 <a:solidFill>
                   <a:srgbClr val="FFFFFF"/>
                 </a:solidFill>
@@ -14754,7 +14874,7 @@
             <a:fld id="{E5B45921-0740-1F4C-BF3B-15FC532FF260}" type="slidenum">
               <a:rPr lang="en-US" smtClean="0"/>
               <a:pPr/>
-              <a:t>32</a:t>
+              <a:t>33</a:t>
             </a:fld>
             <a:endParaRPr lang="en-US"/>
           </a:p>
@@ -14815,7 +14935,7 @@
 </p:sld>
 </file>
 
-<file path=ppt/slides/slide33.xml><?xml version="1.0" encoding="utf-8"?>
+<file path=ppt/slides/slide34.xml><?xml version="1.0" encoding="utf-8"?>
 <p:sld xmlns:a="http://schemas.openxmlformats.org/drawingml/2006/main" xmlns:r="http://schemas.openxmlformats.org/officeDocument/2006/relationships" xmlns:p="http://schemas.openxmlformats.org/presentationml/2006/main">
   <p:cSld>
     <p:spTree>
@@ -14850,7 +14970,7 @@
             <a:fld id="{D2DB48A1-B5F2-D944-9563-BD7B04ADBA09}" type="slidenum">
               <a:rPr lang="en-US" smtClean="0"/>
               <a:pPr/>
-              <a:t>33</a:t>
+              <a:t>34</a:t>
             </a:fld>
             <a:endParaRPr lang="en-US"/>
           </a:p>
@@ -15089,7 +15209,7 @@
 </p:sld>
 </file>
 
-<file path=ppt/slides/slide34.xml><?xml version="1.0" encoding="utf-8"?>
+<file path=ppt/slides/slide35.xml><?xml version="1.0" encoding="utf-8"?>
 <p:sld xmlns:a="http://schemas.openxmlformats.org/drawingml/2006/main" xmlns:r="http://schemas.openxmlformats.org/officeDocument/2006/relationships" xmlns:p="http://schemas.openxmlformats.org/presentationml/2006/main">
   <p:cSld>
     <p:spTree>
@@ -15214,7 +15334,7 @@
           <a:p>
             <a:fld id="{D2DB48A1-B5F2-D944-9563-BD7B04ADBA09}" type="slidenum">
               <a:rPr lang="en-US" smtClean="0"/>
-              <a:t>34</a:t>
+              <a:t>35</a:t>
             </a:fld>
             <a:endParaRPr lang="en-US"/>
           </a:p>
@@ -15266,7 +15386,7 @@
 </p:sld>
 </file>
 
-<file path=ppt/slides/slide35.xml><?xml version="1.0" encoding="utf-8"?>
+<file path=ppt/slides/slide36.xml><?xml version="1.0" encoding="utf-8"?>
 <p:sld xmlns:a="http://schemas.openxmlformats.org/drawingml/2006/main" xmlns:r="http://schemas.openxmlformats.org/officeDocument/2006/relationships" xmlns:p="http://schemas.openxmlformats.org/presentationml/2006/main">
   <p:cSld>
     <p:spTree>
@@ -15301,7 +15421,7 @@
             <a:fld id="{D2DB48A1-B5F2-D944-9563-BD7B04ADBA09}" type="slidenum">
               <a:rPr lang="en-US" smtClean="0"/>
               <a:pPr/>
-              <a:t>35</a:t>
+              <a:t>36</a:t>
             </a:fld>
             <a:endParaRPr lang="en-US" dirty="0"/>
           </a:p>
@@ -15552,7 +15672,7 @@
 </p:sld>
 </file>
 
-<file path=ppt/slides/slide36.xml><?xml version="1.0" encoding="utf-8"?>
+<file path=ppt/slides/slide37.xml><?xml version="1.0" encoding="utf-8"?>
 <p:sld xmlns:a="http://schemas.openxmlformats.org/drawingml/2006/main" xmlns:r="http://schemas.openxmlformats.org/officeDocument/2006/relationships" xmlns:p="http://schemas.openxmlformats.org/presentationml/2006/main">
   <p:cSld>
     <p:spTree>
@@ -15677,7 +15797,7 @@
           <a:p>
             <a:fld id="{D2DB48A1-B5F2-D944-9563-BD7B04ADBA09}" type="slidenum">
               <a:rPr lang="en-US" smtClean="0"/>
-              <a:t>36</a:t>
+              <a:t>37</a:t>
             </a:fld>
             <a:endParaRPr lang="en-US"/>
           </a:p>
@@ -15801,7 +15921,7 @@
 </p:sld>
 </file>
 
-<file path=ppt/slides/slide37.xml><?xml version="1.0" encoding="utf-8"?>
+<file path=ppt/slides/slide38.xml><?xml version="1.0" encoding="utf-8"?>
 <p:sld xmlns:a="http://schemas.openxmlformats.org/drawingml/2006/main" xmlns:r="http://schemas.openxmlformats.org/officeDocument/2006/relationships" xmlns:p="http://schemas.openxmlformats.org/presentationml/2006/main">
   <p:cSld>
     <p:spTree>
@@ -15872,7 +15992,7 @@
           <a:p>
             <a:fld id="{D2DB48A1-B5F2-D944-9563-BD7B04ADBA09}" type="slidenum">
               <a:rPr lang="en-US" smtClean="0"/>
-              <a:t>37</a:t>
+              <a:t>38</a:t>
             </a:fld>
             <a:endParaRPr lang="en-US"/>
           </a:p>
@@ -15958,7 +16078,7 @@
           <a:p>
             <a:fld id="{C94E3762-5D8A-3A4E-B6DB-2FE9B8FB070F}" type="datetime1">
               <a:rPr lang="en-US" smtClean="0"/>
-              <a:t>9/11/18</a:t>
+              <a:t>9/13/18</a:t>
             </a:fld>
             <a:endParaRPr lang="en-US"/>
           </a:p>
@@ -16061,14 +16181,14 @@
           <a:effectLst/>
           <a:extLst>
             <a:ext uri="{909E8E84-426E-40dd-AFC4-6F175D3DCCD1}">
-              <a14:hiddenFill xmlns="" xmlns:a14="http://schemas.microsoft.com/office/drawing/2010/main">
+              <a14:hiddenFill xmlns:a14="http://schemas.microsoft.com/office/drawing/2010/main" xmlns="">
                 <a:solidFill>
                   <a:schemeClr val="accent1"/>
                 </a:solidFill>
               </a14:hiddenFill>
             </a:ext>
             <a:ext uri="{91240B29-F687-4f45-9708-019B960494DF}">
-              <a14:hiddenLine xmlns="" xmlns:a14="http://schemas.microsoft.com/office/drawing/2010/main" w="9525">
+              <a14:hiddenLine xmlns:a14="http://schemas.microsoft.com/office/drawing/2010/main" xmlns="" w="9525">
                 <a:solidFill>
                   <a:schemeClr val="tx1"/>
                 </a:solidFill>
@@ -16078,7 +16198,7 @@
               </a14:hiddenLine>
             </a:ext>
             <a:ext uri="{AF507438-7753-43e0-B8FC-AC1667EBCBE1}">
-              <a14:hiddenEffects xmlns="" xmlns:a14="http://schemas.microsoft.com/office/drawing/2010/main">
+              <a14:hiddenEffects xmlns:a14="http://schemas.microsoft.com/office/drawing/2010/main" xmlns="">
                 <a:effectLst>
                   <a:outerShdw blurRad="63500" dist="38099" dir="2700000" algn="ctr" rotWithShape="0">
                     <a:schemeClr val="bg2">
@@ -16145,7 +16265,7 @@
           <a:noFill/>
           <a:extLst>
             <a:ext uri="{909E8E84-426E-40dd-AFC4-6F175D3DCCD1}">
-              <a14:hiddenFill xmlns="" xmlns:a14="http://schemas.microsoft.com/office/drawing/2010/main">
+              <a14:hiddenFill xmlns:a14="http://schemas.microsoft.com/office/drawing/2010/main" xmlns="">
                 <a:solidFill>
                   <a:srgbClr val="FFFFFF"/>
                 </a:solidFill>
@@ -16384,7 +16504,7 @@
           <a:p>
             <a:fld id="{C94E3762-5D8A-3A4E-B6DB-2FE9B8FB070F}" type="datetime1">
               <a:rPr lang="en-US" smtClean="0"/>
-              <a:t>9/11/18</a:t>
+              <a:t>9/13/18</a:t>
             </a:fld>
             <a:endParaRPr lang="en-US"/>
           </a:p>
@@ -16491,7 +16611,7 @@
           <a:noFill/>
           <a:extLst>
             <a:ext uri="{909E8E84-426E-40dd-AFC4-6F175D3DCCD1}">
-              <a14:hiddenFill xmlns="" xmlns:a14="http://schemas.microsoft.com/office/drawing/2010/main">
+              <a14:hiddenFill xmlns:a14="http://schemas.microsoft.com/office/drawing/2010/main" xmlns="">
                 <a:solidFill>
                   <a:srgbClr val="FFFFFF"/>
                 </a:solidFill>
@@ -16523,14 +16643,14 @@
           <a:effectLst/>
           <a:extLst>
             <a:ext uri="{909E8E84-426E-40dd-AFC4-6F175D3DCCD1}">
-              <a14:hiddenFill xmlns="" xmlns:a14="http://schemas.microsoft.com/office/drawing/2010/main">
+              <a14:hiddenFill xmlns:a14="http://schemas.microsoft.com/office/drawing/2010/main" xmlns="">
                 <a:solidFill>
                   <a:schemeClr val="accent1"/>
                 </a:solidFill>
               </a14:hiddenFill>
             </a:ext>
             <a:ext uri="{91240B29-F687-4f45-9708-019B960494DF}">
-              <a14:hiddenLine xmlns="" xmlns:a14="http://schemas.microsoft.com/office/drawing/2010/main" w="9525">
+              <a14:hiddenLine xmlns:a14="http://schemas.microsoft.com/office/drawing/2010/main" xmlns="" w="9525">
                 <a:solidFill>
                   <a:schemeClr val="tx1"/>
                 </a:solidFill>
@@ -16540,7 +16660,7 @@
               </a14:hiddenLine>
             </a:ext>
             <a:ext uri="{AF507438-7753-43e0-B8FC-AC1667EBCBE1}">
-              <a14:hiddenEffects xmlns="" xmlns:a14="http://schemas.microsoft.com/office/drawing/2010/main">
+              <a14:hiddenEffects xmlns:a14="http://schemas.microsoft.com/office/drawing/2010/main" xmlns="">
                 <a:effectLst>
                   <a:outerShdw blurRad="63500" dist="38099" dir="2700000" algn="ctr" rotWithShape="0">
                     <a:schemeClr val="bg2">
@@ -16884,14 +17004,14 @@
           <a:effectLst/>
           <a:extLst>
             <a:ext uri="{909E8E84-426E-40dd-AFC4-6F175D3DCCD1}">
-              <a14:hiddenFill xmlns="" xmlns:a14="http://schemas.microsoft.com/office/drawing/2010/main">
+              <a14:hiddenFill xmlns:a14="http://schemas.microsoft.com/office/drawing/2010/main" xmlns="">
                 <a:solidFill>
                   <a:schemeClr val="accent1"/>
                 </a:solidFill>
               </a14:hiddenFill>
             </a:ext>
             <a:ext uri="{91240B29-F687-4f45-9708-019B960494DF}">
-              <a14:hiddenLine xmlns="" xmlns:a14="http://schemas.microsoft.com/office/drawing/2010/main" w="9525">
+              <a14:hiddenLine xmlns:a14="http://schemas.microsoft.com/office/drawing/2010/main" xmlns="" w="9525">
                 <a:solidFill>
                   <a:schemeClr val="tx1"/>
                 </a:solidFill>
@@ -16901,7 +17021,7 @@
               </a14:hiddenLine>
             </a:ext>
             <a:ext uri="{AF507438-7753-43e0-B8FC-AC1667EBCBE1}">
-              <a14:hiddenEffects xmlns="" xmlns:a14="http://schemas.microsoft.com/office/drawing/2010/main">
+              <a14:hiddenEffects xmlns:a14="http://schemas.microsoft.com/office/drawing/2010/main" xmlns="">
                 <a:effectLst>
                   <a:outerShdw blurRad="63500" dist="38099" dir="2700000" algn="ctr" rotWithShape="0">
                     <a:schemeClr val="bg2">
@@ -16960,14 +17080,14 @@
           <a:effectLst/>
           <a:extLst>
             <a:ext uri="{909E8E84-426E-40dd-AFC4-6F175D3DCCD1}">
-              <a14:hiddenFill xmlns="" xmlns:a14="http://schemas.microsoft.com/office/drawing/2010/main">
+              <a14:hiddenFill xmlns:a14="http://schemas.microsoft.com/office/drawing/2010/main" xmlns="">
                 <a:solidFill>
                   <a:schemeClr val="accent1"/>
                 </a:solidFill>
               </a14:hiddenFill>
             </a:ext>
             <a:ext uri="{91240B29-F687-4f45-9708-019B960494DF}">
-              <a14:hiddenLine xmlns="" xmlns:a14="http://schemas.microsoft.com/office/drawing/2010/main" w="9525">
+              <a14:hiddenLine xmlns:a14="http://schemas.microsoft.com/office/drawing/2010/main" xmlns="" w="9525">
                 <a:solidFill>
                   <a:schemeClr val="tx1"/>
                 </a:solidFill>
@@ -16977,7 +17097,7 @@
               </a14:hiddenLine>
             </a:ext>
             <a:ext uri="{AF507438-7753-43e0-B8FC-AC1667EBCBE1}">
-              <a14:hiddenEffects xmlns="" xmlns:a14="http://schemas.microsoft.com/office/drawing/2010/main">
+              <a14:hiddenEffects xmlns:a14="http://schemas.microsoft.com/office/drawing/2010/main" xmlns="">
                 <a:effectLst>
                   <a:outerShdw blurRad="63500" dist="38099" dir="2700000" algn="ctr" rotWithShape="0">
                     <a:schemeClr val="bg2">
@@ -17044,7 +17164,7 @@
           <a:noFill/>
           <a:extLst>
             <a:ext uri="{909E8E84-426E-40dd-AFC4-6F175D3DCCD1}">
-              <a14:hiddenFill xmlns="" xmlns:a14="http://schemas.microsoft.com/office/drawing/2010/main">
+              <a14:hiddenFill xmlns:a14="http://schemas.microsoft.com/office/drawing/2010/main" xmlns="">
                 <a:solidFill>
                   <a:srgbClr val="FFFFFF"/>
                 </a:solidFill>
@@ -17094,7 +17214,7 @@
             <a:fld id="{7A583AE1-6BA9-459D-8E25-FA2670ABE814}" type="datetime1">
               <a:rPr lang="en-US" altLang="zh-CN" smtClean="0"/>
               <a:pPr/>
-              <a:t>9/11/18</a:t>
+              <a:t>9/13/18</a:t>
             </a:fld>
             <a:endParaRPr lang="en-US"/>
           </a:p>

--- a/slides/Lecture03.pptx
+++ b/slides/Lecture03.pptx
@@ -1219,7 +1219,7 @@
               <ma14:placeholderFlag xmlns:ma14="http://schemas.microsoft.com/office/mac/drawingml/2011/main" val="1"/>
             </a:ext>
             <a:ext uri="{909E8E84-426E-40dd-AFC4-6F175D3DCCD1}">
-              <a14:hiddenFill xmlns:a14="http://schemas.microsoft.com/office/drawing/2010/main" xmlns="">
+              <a14:hiddenFill xmlns="" xmlns:a14="http://schemas.microsoft.com/office/drawing/2010/main">
                 <a:solidFill>
                   <a:srgbClr val="FFFFFF"/>
                 </a:solidFill>
@@ -1245,14 +1245,14 @@
               <ma14:placeholderFlag xmlns:ma14="http://schemas.microsoft.com/office/mac/drawingml/2011/main" val="1"/>
             </a:ext>
             <a:ext uri="{909E8E84-426E-40dd-AFC4-6F175D3DCCD1}">
-              <a14:hiddenFill xmlns:a14="http://schemas.microsoft.com/office/drawing/2010/main" xmlns="">
+              <a14:hiddenFill xmlns="" xmlns:a14="http://schemas.microsoft.com/office/drawing/2010/main">
                 <a:solidFill>
                   <a:srgbClr val="FFFFFF"/>
                 </a:solidFill>
               </a14:hiddenFill>
             </a:ext>
             <a:ext uri="{91240B29-F687-4f45-9708-019B960494DF}">
-              <a14:hiddenLine xmlns:a14="http://schemas.microsoft.com/office/drawing/2010/main" xmlns="" w="9525">
+              <a14:hiddenLine xmlns="" xmlns:a14="http://schemas.microsoft.com/office/drawing/2010/main" w="9525">
                 <a:solidFill>
                   <a:srgbClr val="000000"/>
                 </a:solidFill>
@@ -1297,14 +1297,14 @@
           <a:noFill/>
           <a:extLst>
             <a:ext uri="{909E8E84-426E-40dd-AFC4-6F175D3DCCD1}">
-              <a14:hiddenFill xmlns:a14="http://schemas.microsoft.com/office/drawing/2010/main" xmlns="">
+              <a14:hiddenFill xmlns="" xmlns:a14="http://schemas.microsoft.com/office/drawing/2010/main">
                 <a:solidFill>
                   <a:srgbClr val="FFFFFF"/>
                 </a:solidFill>
               </a14:hiddenFill>
             </a:ext>
             <a:ext uri="{91240B29-F687-4f45-9708-019B960494DF}">
-              <a14:hiddenLine xmlns:a14="http://schemas.microsoft.com/office/drawing/2010/main" xmlns="" w="9525">
+              <a14:hiddenLine xmlns="" xmlns:a14="http://schemas.microsoft.com/office/drawing/2010/main" w="9525">
                 <a:solidFill>
                   <a:srgbClr val="000000"/>
                 </a:solidFill>
@@ -1495,7 +1495,7 @@
               <ma14:placeholderFlag xmlns:ma14="http://schemas.microsoft.com/office/mac/drawingml/2011/main" val="1"/>
             </a:ext>
             <a:ext uri="{909E8E84-426E-40dd-AFC4-6F175D3DCCD1}">
-              <a14:hiddenFill xmlns:a14="http://schemas.microsoft.com/office/drawing/2010/main" xmlns="">
+              <a14:hiddenFill xmlns="" xmlns:a14="http://schemas.microsoft.com/office/drawing/2010/main">
                 <a:solidFill>
                   <a:srgbClr val="FFFFFF"/>
                 </a:solidFill>
@@ -1551,14 +1551,14 @@
           <a:noFill/>
           <a:extLst>
             <a:ext uri="{909E8E84-426E-40dd-AFC4-6F175D3DCCD1}">
-              <a14:hiddenFill xmlns:a14="http://schemas.microsoft.com/office/drawing/2010/main" xmlns="">
+              <a14:hiddenFill xmlns="" xmlns:a14="http://schemas.microsoft.com/office/drawing/2010/main">
                 <a:solidFill>
                   <a:srgbClr val="FFFFFF"/>
                 </a:solidFill>
               </a14:hiddenFill>
             </a:ext>
             <a:ext uri="{91240B29-F687-4f45-9708-019B960494DF}">
-              <a14:hiddenLine xmlns:a14="http://schemas.microsoft.com/office/drawing/2010/main" xmlns="" w="9525">
+              <a14:hiddenLine xmlns="" xmlns:a14="http://schemas.microsoft.com/office/drawing/2010/main" w="9525">
                 <a:solidFill>
                   <a:srgbClr val="000000"/>
                 </a:solidFill>
@@ -10278,14 +10278,14 @@
           <a:effectLst/>
           <a:extLst>
             <a:ext uri="{909E8E84-426E-40dd-AFC4-6F175D3DCCD1}">
-              <a14:hiddenFill xmlns:a14="http://schemas.microsoft.com/office/drawing/2010/main" xmlns="">
+              <a14:hiddenFill xmlns="" xmlns:a14="http://schemas.microsoft.com/office/drawing/2010/main">
                 <a:solidFill>
                   <a:schemeClr val="accent1"/>
                 </a:solidFill>
               </a14:hiddenFill>
             </a:ext>
             <a:ext uri="{AF507438-7753-43e0-B8FC-AC1667EBCBE1}">
-              <a14:hiddenEffects xmlns:a14="http://schemas.microsoft.com/office/drawing/2010/main" xmlns="">
+              <a14:hiddenEffects xmlns="" xmlns:a14="http://schemas.microsoft.com/office/drawing/2010/main">
                 <a:effectLst>
                   <a:outerShdw blurRad="63500" dist="38099" dir="2700000" algn="ctr" rotWithShape="0">
                     <a:schemeClr val="bg2">
@@ -10673,14 +10673,14 @@
           <a:effectLst/>
           <a:extLst>
             <a:ext uri="{909E8E84-426E-40dd-AFC4-6F175D3DCCD1}">
-              <a14:hiddenFill xmlns:a14="http://schemas.microsoft.com/office/drawing/2010/main" xmlns="">
+              <a14:hiddenFill xmlns="" xmlns:a14="http://schemas.microsoft.com/office/drawing/2010/main">
                 <a:solidFill>
                   <a:schemeClr val="accent1"/>
                 </a:solidFill>
               </a14:hiddenFill>
             </a:ext>
             <a:ext uri="{AF507438-7753-43e0-B8FC-AC1667EBCBE1}">
-              <a14:hiddenEffects xmlns:a14="http://schemas.microsoft.com/office/drawing/2010/main" xmlns="">
+              <a14:hiddenEffects xmlns="" xmlns:a14="http://schemas.microsoft.com/office/drawing/2010/main">
                 <a:effectLst>
                   <a:outerShdw blurRad="63500" dist="38099" dir="2700000" algn="ctr" rotWithShape="0">
                     <a:schemeClr val="bg2">
@@ -14719,6 +14719,13 @@
   <p:clrMapOvr>
     <a:masterClrMapping/>
   </p:clrMapOvr>
+  <p:timing>
+    <p:tnLst>
+      <p:par>
+        <p:cTn id="1" dur="indefinite" restart="never" nodeType="tmRoot"/>
+      </p:par>
+    </p:tnLst>
+  </p:timing>
 </p:sld>
 </file>
 
@@ -14762,14 +14769,14 @@
           <a:effectLst/>
           <a:extLst>
             <a:ext uri="{909E8E84-426E-40dd-AFC4-6F175D3DCCD1}">
-              <a14:hiddenFill xmlns:a14="http://schemas.microsoft.com/office/drawing/2010/main" xmlns="">
+              <a14:hiddenFill xmlns="" xmlns:a14="http://schemas.microsoft.com/office/drawing/2010/main">
                 <a:solidFill>
                   <a:schemeClr val="accent1"/>
                 </a:solidFill>
               </a14:hiddenFill>
             </a:ext>
             <a:ext uri="{91240B29-F687-4f45-9708-019B960494DF}">
-              <a14:hiddenLine xmlns:a14="http://schemas.microsoft.com/office/drawing/2010/main" xmlns="" w="9525">
+              <a14:hiddenLine xmlns="" xmlns:a14="http://schemas.microsoft.com/office/drawing/2010/main" w="9525">
                 <a:solidFill>
                   <a:schemeClr val="tx1"/>
                 </a:solidFill>
@@ -14779,7 +14786,7 @@
               </a14:hiddenLine>
             </a:ext>
             <a:ext uri="{AF507438-7753-43e0-B8FC-AC1667EBCBE1}">
-              <a14:hiddenEffects xmlns:a14="http://schemas.microsoft.com/office/drawing/2010/main" xmlns="">
+              <a14:hiddenEffects xmlns="" xmlns:a14="http://schemas.microsoft.com/office/drawing/2010/main">
                 <a:effectLst>
                   <a:outerShdw blurRad="63500" dist="38099" dir="2700000" algn="ctr" rotWithShape="0">
                     <a:schemeClr val="bg2">
@@ -14847,7 +14854,7 @@
           <a:noFill/>
           <a:extLst>
             <a:ext uri="{909E8E84-426E-40dd-AFC4-6F175D3DCCD1}">
-              <a14:hiddenFill xmlns:a14="http://schemas.microsoft.com/office/drawing/2010/main" xmlns="">
+              <a14:hiddenFill xmlns="" xmlns:a14="http://schemas.microsoft.com/office/drawing/2010/main">
                 <a:solidFill>
                   <a:srgbClr val="FFFFFF"/>
                 </a:solidFill>
@@ -16181,14 +16188,14 @@
           <a:effectLst/>
           <a:extLst>
             <a:ext uri="{909E8E84-426E-40dd-AFC4-6F175D3DCCD1}">
-              <a14:hiddenFill xmlns:a14="http://schemas.microsoft.com/office/drawing/2010/main" xmlns="">
+              <a14:hiddenFill xmlns="" xmlns:a14="http://schemas.microsoft.com/office/drawing/2010/main">
                 <a:solidFill>
                   <a:schemeClr val="accent1"/>
                 </a:solidFill>
               </a14:hiddenFill>
             </a:ext>
             <a:ext uri="{91240B29-F687-4f45-9708-019B960494DF}">
-              <a14:hiddenLine xmlns:a14="http://schemas.microsoft.com/office/drawing/2010/main" xmlns="" w="9525">
+              <a14:hiddenLine xmlns="" xmlns:a14="http://schemas.microsoft.com/office/drawing/2010/main" w="9525">
                 <a:solidFill>
                   <a:schemeClr val="tx1"/>
                 </a:solidFill>
@@ -16198,7 +16205,7 @@
               </a14:hiddenLine>
             </a:ext>
             <a:ext uri="{AF507438-7753-43e0-B8FC-AC1667EBCBE1}">
-              <a14:hiddenEffects xmlns:a14="http://schemas.microsoft.com/office/drawing/2010/main" xmlns="">
+              <a14:hiddenEffects xmlns="" xmlns:a14="http://schemas.microsoft.com/office/drawing/2010/main">
                 <a:effectLst>
                   <a:outerShdw blurRad="63500" dist="38099" dir="2700000" algn="ctr" rotWithShape="0">
                     <a:schemeClr val="bg2">
@@ -16265,7 +16272,7 @@
           <a:noFill/>
           <a:extLst>
             <a:ext uri="{909E8E84-426E-40dd-AFC4-6F175D3DCCD1}">
-              <a14:hiddenFill xmlns:a14="http://schemas.microsoft.com/office/drawing/2010/main" xmlns="">
+              <a14:hiddenFill xmlns="" xmlns:a14="http://schemas.microsoft.com/office/drawing/2010/main">
                 <a:solidFill>
                   <a:srgbClr val="FFFFFF"/>
                 </a:solidFill>
@@ -16611,7 +16618,7 @@
           <a:noFill/>
           <a:extLst>
             <a:ext uri="{909E8E84-426E-40dd-AFC4-6F175D3DCCD1}">
-              <a14:hiddenFill xmlns:a14="http://schemas.microsoft.com/office/drawing/2010/main" xmlns="">
+              <a14:hiddenFill xmlns="" xmlns:a14="http://schemas.microsoft.com/office/drawing/2010/main">
                 <a:solidFill>
                   <a:srgbClr val="FFFFFF"/>
                 </a:solidFill>
@@ -16643,14 +16650,14 @@
           <a:effectLst/>
           <a:extLst>
             <a:ext uri="{909E8E84-426E-40dd-AFC4-6F175D3DCCD1}">
-              <a14:hiddenFill xmlns:a14="http://schemas.microsoft.com/office/drawing/2010/main" xmlns="">
+              <a14:hiddenFill xmlns="" xmlns:a14="http://schemas.microsoft.com/office/drawing/2010/main">
                 <a:solidFill>
                   <a:schemeClr val="accent1"/>
                 </a:solidFill>
               </a14:hiddenFill>
             </a:ext>
             <a:ext uri="{91240B29-F687-4f45-9708-019B960494DF}">
-              <a14:hiddenLine xmlns:a14="http://schemas.microsoft.com/office/drawing/2010/main" xmlns="" w="9525">
+              <a14:hiddenLine xmlns="" xmlns:a14="http://schemas.microsoft.com/office/drawing/2010/main" w="9525">
                 <a:solidFill>
                   <a:schemeClr val="tx1"/>
                 </a:solidFill>
@@ -16660,7 +16667,7 @@
               </a14:hiddenLine>
             </a:ext>
             <a:ext uri="{AF507438-7753-43e0-B8FC-AC1667EBCBE1}">
-              <a14:hiddenEffects xmlns:a14="http://schemas.microsoft.com/office/drawing/2010/main" xmlns="">
+              <a14:hiddenEffects xmlns="" xmlns:a14="http://schemas.microsoft.com/office/drawing/2010/main">
                 <a:effectLst>
                   <a:outerShdw blurRad="63500" dist="38099" dir="2700000" algn="ctr" rotWithShape="0">
                     <a:schemeClr val="bg2">
@@ -17004,14 +17011,14 @@
           <a:effectLst/>
           <a:extLst>
             <a:ext uri="{909E8E84-426E-40dd-AFC4-6F175D3DCCD1}">
-              <a14:hiddenFill xmlns:a14="http://schemas.microsoft.com/office/drawing/2010/main" xmlns="">
+              <a14:hiddenFill xmlns="" xmlns:a14="http://schemas.microsoft.com/office/drawing/2010/main">
                 <a:solidFill>
                   <a:schemeClr val="accent1"/>
                 </a:solidFill>
               </a14:hiddenFill>
             </a:ext>
             <a:ext uri="{91240B29-F687-4f45-9708-019B960494DF}">
-              <a14:hiddenLine xmlns:a14="http://schemas.microsoft.com/office/drawing/2010/main" xmlns="" w="9525">
+              <a14:hiddenLine xmlns="" xmlns:a14="http://schemas.microsoft.com/office/drawing/2010/main" w="9525">
                 <a:solidFill>
                   <a:schemeClr val="tx1"/>
                 </a:solidFill>
@@ -17021,7 +17028,7 @@
               </a14:hiddenLine>
             </a:ext>
             <a:ext uri="{AF507438-7753-43e0-B8FC-AC1667EBCBE1}">
-              <a14:hiddenEffects xmlns:a14="http://schemas.microsoft.com/office/drawing/2010/main" xmlns="">
+              <a14:hiddenEffects xmlns="" xmlns:a14="http://schemas.microsoft.com/office/drawing/2010/main">
                 <a:effectLst>
                   <a:outerShdw blurRad="63500" dist="38099" dir="2700000" algn="ctr" rotWithShape="0">
                     <a:schemeClr val="bg2">
@@ -17080,14 +17087,14 @@
           <a:effectLst/>
           <a:extLst>
             <a:ext uri="{909E8E84-426E-40dd-AFC4-6F175D3DCCD1}">
-              <a14:hiddenFill xmlns:a14="http://schemas.microsoft.com/office/drawing/2010/main" xmlns="">
+              <a14:hiddenFill xmlns="" xmlns:a14="http://schemas.microsoft.com/office/drawing/2010/main">
                 <a:solidFill>
                   <a:schemeClr val="accent1"/>
                 </a:solidFill>
               </a14:hiddenFill>
             </a:ext>
             <a:ext uri="{91240B29-F687-4f45-9708-019B960494DF}">
-              <a14:hiddenLine xmlns:a14="http://schemas.microsoft.com/office/drawing/2010/main" xmlns="" w="9525">
+              <a14:hiddenLine xmlns="" xmlns:a14="http://schemas.microsoft.com/office/drawing/2010/main" w="9525">
                 <a:solidFill>
                   <a:schemeClr val="tx1"/>
                 </a:solidFill>
@@ -17097,7 +17104,7 @@
               </a14:hiddenLine>
             </a:ext>
             <a:ext uri="{AF507438-7753-43e0-B8FC-AC1667EBCBE1}">
-              <a14:hiddenEffects xmlns:a14="http://schemas.microsoft.com/office/drawing/2010/main" xmlns="">
+              <a14:hiddenEffects xmlns="" xmlns:a14="http://schemas.microsoft.com/office/drawing/2010/main">
                 <a:effectLst>
                   <a:outerShdw blurRad="63500" dist="38099" dir="2700000" algn="ctr" rotWithShape="0">
                     <a:schemeClr val="bg2">
@@ -17164,7 +17171,7 @@
           <a:noFill/>
           <a:extLst>
             <a:ext uri="{909E8E84-426E-40dd-AFC4-6F175D3DCCD1}">
-              <a14:hiddenFill xmlns:a14="http://schemas.microsoft.com/office/drawing/2010/main" xmlns="">
+              <a14:hiddenFill xmlns="" xmlns:a14="http://schemas.microsoft.com/office/drawing/2010/main">
                 <a:solidFill>
                   <a:srgbClr val="FFFFFF"/>
                 </a:solidFill>
